--- a/Pragati_ebay_Project.pptx
+++ b/Pragati_ebay_Project.pptx
@@ -5,10 +5,10 @@
     <p:sldMasterId id="2147483650" r:id="rId4"/>
   </p:sldMasterIdLst>
   <p:notesMasterIdLst>
-    <p:notesMasterId r:id="rId18"/>
+    <p:notesMasterId r:id="rId19"/>
   </p:notesMasterIdLst>
   <p:handoutMasterIdLst>
-    <p:handoutMasterId r:id="rId19"/>
+    <p:handoutMasterId r:id="rId20"/>
   </p:handoutMasterIdLst>
   <p:sldIdLst>
     <p:sldId id="312" r:id="rId5"/>
@@ -17,13 +17,14 @@
     <p:sldId id="323" r:id="rId8"/>
     <p:sldId id="324" r:id="rId9"/>
     <p:sldId id="281" r:id="rId10"/>
-    <p:sldId id="325" r:id="rId11"/>
-    <p:sldId id="314" r:id="rId12"/>
-    <p:sldId id="326" r:id="rId13"/>
-    <p:sldId id="327" r:id="rId14"/>
-    <p:sldId id="328" r:id="rId15"/>
-    <p:sldId id="307" r:id="rId16"/>
-    <p:sldId id="329" r:id="rId17"/>
+    <p:sldId id="330" r:id="rId11"/>
+    <p:sldId id="325" r:id="rId12"/>
+    <p:sldId id="314" r:id="rId13"/>
+    <p:sldId id="326" r:id="rId14"/>
+    <p:sldId id="327" r:id="rId15"/>
+    <p:sldId id="328" r:id="rId16"/>
+    <p:sldId id="307" r:id="rId17"/>
+    <p:sldId id="329" r:id="rId18"/>
   </p:sldIdLst>
   <p:sldSz cx="12192000" cy="6858000"/>
   <p:notesSz cx="13716000" cy="24384000"/>
@@ -637,6 +638,107 @@
         <p:cNvPr id="1" name="">
           <a:extLst>
             <a:ext uri="{FF2B5EF4-FFF2-40B4-BE49-F238E27FC236}">
+              <a16:creationId xmlns:a16="http://schemas.microsoft.com/office/drawing/2014/main" id="{38ECEC1C-C06D-E8CA-79D9-EA52811FE895}"/>
+            </a:ext>
+          </a:extLst>
+        </p:cNvPr>
+        <p:cNvGrpSpPr/>
+        <p:nvPr/>
+      </p:nvGrpSpPr>
+      <p:grpSpPr>
+        <a:xfrm>
+          <a:off x="0" y="0"/>
+          <a:ext cx="0" cy="0"/>
+          <a:chOff x="0" y="0"/>
+          <a:chExt cx="0" cy="0"/>
+        </a:xfrm>
+      </p:grpSpPr>
+      <p:sp>
+        <p:nvSpPr>
+          <p:cNvPr id="2" name="Slide Image Placeholder 1">
+            <a:extLst>
+              <a:ext uri="{FF2B5EF4-FFF2-40B4-BE49-F238E27FC236}">
+                <a16:creationId xmlns:a16="http://schemas.microsoft.com/office/drawing/2014/main" id="{7B0605FC-6E10-CFBD-8476-793272FB60CF}"/>
+              </a:ext>
+            </a:extLst>
+          </p:cNvPr>
+          <p:cNvSpPr>
+            <a:spLocks noGrp="1" noRot="1" noChangeAspect="1"/>
+          </p:cNvSpPr>
+          <p:nvPr>
+            <p:ph type="sldImg"/>
+          </p:nvPr>
+        </p:nvSpPr>
+        <p:spPr>
+          <a:xfrm>
+            <a:off x="-457200" y="3048000"/>
+            <a:ext cx="14630400" cy="8229600"/>
+          </a:xfrm>
+          <a:prstGeom prst="rect">
+            <a:avLst/>
+          </a:prstGeom>
+          <a:noFill/>
+          <a:ln w="12700">
+            <a:solidFill>
+              <a:prstClr val="black"/>
+            </a:solidFill>
+          </a:ln>
+        </p:spPr>
+      </p:sp>
+      <p:sp>
+        <p:nvSpPr>
+          <p:cNvPr id="3" name="Notes Placeholder 2">
+            <a:extLst>
+              <a:ext uri="{FF2B5EF4-FFF2-40B4-BE49-F238E27FC236}">
+                <a16:creationId xmlns:a16="http://schemas.microsoft.com/office/drawing/2014/main" id="{CABE6FC6-42DD-C5D4-B56D-988E9320CCE8}"/>
+              </a:ext>
+            </a:extLst>
+          </p:cNvPr>
+          <p:cNvSpPr>
+            <a:spLocks noGrp="1"/>
+          </p:cNvSpPr>
+          <p:nvPr>
+            <p:ph type="body" idx="1"/>
+          </p:nvPr>
+        </p:nvSpPr>
+        <p:spPr>
+          <a:xfrm>
+            <a:off x="1371600" y="11734800"/>
+            <a:ext cx="10972800" cy="9601200"/>
+          </a:xfrm>
+          <a:prstGeom prst="rect">
+            <a:avLst/>
+          </a:prstGeom>
+        </p:spPr>
+        <p:txBody>
+          <a:bodyPr/>
+          <a:lstStyle/>
+          <a:p>
+            <a:endParaRPr lang="en-US" dirty="0"/>
+          </a:p>
+        </p:txBody>
+      </p:sp>
+    </p:spTree>
+    <p:extLst>
+      <p:ext uri="{BB962C8B-B14F-4D97-AF65-F5344CB8AC3E}">
+        <p14:creationId xmlns:p14="http://schemas.microsoft.com/office/powerpoint/2010/main" val="1673838904"/>
+      </p:ext>
+    </p:extLst>
+  </p:cSld>
+  <p:clrMapOvr>
+    <a:masterClrMapping/>
+  </p:clrMapOvr>
+</p:notes>
+</file>
+
+<file path=ppt/notesSlides/notesSlide11.xml><?xml version="1.0" encoding="utf-8"?>
+<p:notes xmlns:a="http://schemas.openxmlformats.org/drawingml/2006/main" xmlns:r="http://schemas.openxmlformats.org/officeDocument/2006/relationships" xmlns:p="http://schemas.openxmlformats.org/presentationml/2006/main">
+  <p:cSld>
+    <p:spTree>
+      <p:nvGrpSpPr>
+        <p:cNvPr id="1" name="">
+          <a:extLst>
+            <a:ext uri="{FF2B5EF4-FFF2-40B4-BE49-F238E27FC236}">
               <a16:creationId xmlns:a16="http://schemas.microsoft.com/office/drawing/2014/main" id="{9A3D7D35-D1F1-D446-E059-DC0D229C0881}"/>
             </a:ext>
           </a:extLst>
@@ -730,7 +832,7 @@
 </p:notes>
 </file>
 
-<file path=ppt/notesSlides/notesSlide11.xml><?xml version="1.0" encoding="utf-8"?>
+<file path=ppt/notesSlides/notesSlide12.xml><?xml version="1.0" encoding="utf-8"?>
 <p:notes xmlns:a="http://schemas.openxmlformats.org/drawingml/2006/main" xmlns:r="http://schemas.openxmlformats.org/officeDocument/2006/relationships" xmlns:p="http://schemas.openxmlformats.org/presentationml/2006/main">
   <p:cSld>
     <p:spTree>
@@ -831,7 +933,7 @@
 </p:notes>
 </file>
 
-<file path=ppt/notesSlides/notesSlide12.xml><?xml version="1.0" encoding="utf-8"?>
+<file path=ppt/notesSlides/notesSlide13.xml><?xml version="1.0" encoding="utf-8"?>
 <p:notes xmlns:a="http://schemas.openxmlformats.org/drawingml/2006/main" xmlns:r="http://schemas.openxmlformats.org/officeDocument/2006/relationships" xmlns:p="http://schemas.openxmlformats.org/presentationml/2006/main">
   <p:cSld>
     <p:spTree>
@@ -914,7 +1016,7 @@
 </p:notes>
 </file>
 
-<file path=ppt/notesSlides/notesSlide13.xml><?xml version="1.0" encoding="utf-8"?>
+<file path=ppt/notesSlides/notesSlide14.xml><?xml version="1.0" encoding="utf-8"?>
 <p:notes xmlns:a="http://schemas.openxmlformats.org/drawingml/2006/main" xmlns:r="http://schemas.openxmlformats.org/officeDocument/2006/relationships" xmlns:p="http://schemas.openxmlformats.org/presentationml/2006/main">
   <p:cSld>
     <p:spTree>
@@ -1474,6 +1576,107 @@
         <p:cNvPr id="1" name="">
           <a:extLst>
             <a:ext uri="{FF2B5EF4-FFF2-40B4-BE49-F238E27FC236}">
+              <a16:creationId xmlns:a16="http://schemas.microsoft.com/office/drawing/2014/main" id="{8E503640-7ADC-3EE3-DEE7-88C8A83532F5}"/>
+            </a:ext>
+          </a:extLst>
+        </p:cNvPr>
+        <p:cNvGrpSpPr/>
+        <p:nvPr/>
+      </p:nvGrpSpPr>
+      <p:grpSpPr>
+        <a:xfrm>
+          <a:off x="0" y="0"/>
+          <a:ext cx="0" cy="0"/>
+          <a:chOff x="0" y="0"/>
+          <a:chExt cx="0" cy="0"/>
+        </a:xfrm>
+      </p:grpSpPr>
+      <p:sp>
+        <p:nvSpPr>
+          <p:cNvPr id="2" name="Slide Image Placeholder 1">
+            <a:extLst>
+              <a:ext uri="{FF2B5EF4-FFF2-40B4-BE49-F238E27FC236}">
+                <a16:creationId xmlns:a16="http://schemas.microsoft.com/office/drawing/2014/main" id="{08BA0A23-7132-D2EE-0A9E-18569A887201}"/>
+              </a:ext>
+            </a:extLst>
+          </p:cNvPr>
+          <p:cNvSpPr>
+            <a:spLocks noGrp="1" noRot="1" noChangeAspect="1"/>
+          </p:cNvSpPr>
+          <p:nvPr>
+            <p:ph type="sldImg"/>
+          </p:nvPr>
+        </p:nvSpPr>
+        <p:spPr>
+          <a:xfrm>
+            <a:off x="-457200" y="3048000"/>
+            <a:ext cx="14630400" cy="8229600"/>
+          </a:xfrm>
+          <a:prstGeom prst="rect">
+            <a:avLst/>
+          </a:prstGeom>
+          <a:noFill/>
+          <a:ln w="12700">
+            <a:solidFill>
+              <a:prstClr val="black"/>
+            </a:solidFill>
+          </a:ln>
+        </p:spPr>
+      </p:sp>
+      <p:sp>
+        <p:nvSpPr>
+          <p:cNvPr id="3" name="Notes Placeholder 2">
+            <a:extLst>
+              <a:ext uri="{FF2B5EF4-FFF2-40B4-BE49-F238E27FC236}">
+                <a16:creationId xmlns:a16="http://schemas.microsoft.com/office/drawing/2014/main" id="{A15C9905-AC11-A148-3F3E-5388F90D6AED}"/>
+              </a:ext>
+            </a:extLst>
+          </p:cNvPr>
+          <p:cNvSpPr>
+            <a:spLocks noGrp="1"/>
+          </p:cNvSpPr>
+          <p:nvPr>
+            <p:ph type="body" idx="1"/>
+          </p:nvPr>
+        </p:nvSpPr>
+        <p:spPr>
+          <a:xfrm>
+            <a:off x="1371600" y="11734800"/>
+            <a:ext cx="10972800" cy="9601200"/>
+          </a:xfrm>
+          <a:prstGeom prst="rect">
+            <a:avLst/>
+          </a:prstGeom>
+        </p:spPr>
+        <p:txBody>
+          <a:bodyPr/>
+          <a:lstStyle/>
+          <a:p>
+            <a:endParaRPr lang="en-US" dirty="0"/>
+          </a:p>
+        </p:txBody>
+      </p:sp>
+    </p:spTree>
+    <p:extLst>
+      <p:ext uri="{BB962C8B-B14F-4D97-AF65-F5344CB8AC3E}">
+        <p14:creationId xmlns:p14="http://schemas.microsoft.com/office/powerpoint/2010/main" val="3527545961"/>
+      </p:ext>
+    </p:extLst>
+  </p:cSld>
+  <p:clrMapOvr>
+    <a:masterClrMapping/>
+  </p:clrMapOvr>
+</p:notes>
+</file>
+
+<file path=ppt/notesSlides/notesSlide8.xml><?xml version="1.0" encoding="utf-8"?>
+<p:notes xmlns:a="http://schemas.openxmlformats.org/drawingml/2006/main" xmlns:r="http://schemas.openxmlformats.org/officeDocument/2006/relationships" xmlns:p="http://schemas.openxmlformats.org/presentationml/2006/main">
+  <p:cSld>
+    <p:spTree>
+      <p:nvGrpSpPr>
+        <p:cNvPr id="1" name="">
+          <a:extLst>
+            <a:ext uri="{FF2B5EF4-FFF2-40B4-BE49-F238E27FC236}">
               <a16:creationId xmlns:a16="http://schemas.microsoft.com/office/drawing/2014/main" id="{B6AE1221-CD82-5E85-87EF-E7AD21B78F82}"/>
             </a:ext>
           </a:extLst>
@@ -1567,7 +1770,7 @@
 </p:notes>
 </file>
 
-<file path=ppt/notesSlides/notesSlide8.xml><?xml version="1.0" encoding="utf-8"?>
+<file path=ppt/notesSlides/notesSlide9.xml><?xml version="1.0" encoding="utf-8"?>
 <p:notes xmlns:a="http://schemas.openxmlformats.org/drawingml/2006/main" xmlns:r="http://schemas.openxmlformats.org/officeDocument/2006/relationships" xmlns:p="http://schemas.openxmlformats.org/presentationml/2006/main">
   <p:cSld>
     <p:spTree>
@@ -1641,107 +1844,6 @@
     <p:extLst>
       <p:ext uri="{BB962C8B-B14F-4D97-AF65-F5344CB8AC3E}">
         <p14:creationId xmlns:p14="http://schemas.microsoft.com/office/powerpoint/2010/main" val="87667087"/>
-      </p:ext>
-    </p:extLst>
-  </p:cSld>
-  <p:clrMapOvr>
-    <a:masterClrMapping/>
-  </p:clrMapOvr>
-</p:notes>
-</file>
-
-<file path=ppt/notesSlides/notesSlide9.xml><?xml version="1.0" encoding="utf-8"?>
-<p:notes xmlns:a="http://schemas.openxmlformats.org/drawingml/2006/main" xmlns:r="http://schemas.openxmlformats.org/officeDocument/2006/relationships" xmlns:p="http://schemas.openxmlformats.org/presentationml/2006/main">
-  <p:cSld>
-    <p:spTree>
-      <p:nvGrpSpPr>
-        <p:cNvPr id="1" name="">
-          <a:extLst>
-            <a:ext uri="{FF2B5EF4-FFF2-40B4-BE49-F238E27FC236}">
-              <a16:creationId xmlns:a16="http://schemas.microsoft.com/office/drawing/2014/main" id="{38ECEC1C-C06D-E8CA-79D9-EA52811FE895}"/>
-            </a:ext>
-          </a:extLst>
-        </p:cNvPr>
-        <p:cNvGrpSpPr/>
-        <p:nvPr/>
-      </p:nvGrpSpPr>
-      <p:grpSpPr>
-        <a:xfrm>
-          <a:off x="0" y="0"/>
-          <a:ext cx="0" cy="0"/>
-          <a:chOff x="0" y="0"/>
-          <a:chExt cx="0" cy="0"/>
-        </a:xfrm>
-      </p:grpSpPr>
-      <p:sp>
-        <p:nvSpPr>
-          <p:cNvPr id="2" name="Slide Image Placeholder 1">
-            <a:extLst>
-              <a:ext uri="{FF2B5EF4-FFF2-40B4-BE49-F238E27FC236}">
-                <a16:creationId xmlns:a16="http://schemas.microsoft.com/office/drawing/2014/main" id="{7B0605FC-6E10-CFBD-8476-793272FB60CF}"/>
-              </a:ext>
-            </a:extLst>
-          </p:cNvPr>
-          <p:cNvSpPr>
-            <a:spLocks noGrp="1" noRot="1" noChangeAspect="1"/>
-          </p:cNvSpPr>
-          <p:nvPr>
-            <p:ph type="sldImg"/>
-          </p:nvPr>
-        </p:nvSpPr>
-        <p:spPr>
-          <a:xfrm>
-            <a:off x="-457200" y="3048000"/>
-            <a:ext cx="14630400" cy="8229600"/>
-          </a:xfrm>
-          <a:prstGeom prst="rect">
-            <a:avLst/>
-          </a:prstGeom>
-          <a:noFill/>
-          <a:ln w="12700">
-            <a:solidFill>
-              <a:prstClr val="black"/>
-            </a:solidFill>
-          </a:ln>
-        </p:spPr>
-      </p:sp>
-      <p:sp>
-        <p:nvSpPr>
-          <p:cNvPr id="3" name="Notes Placeholder 2">
-            <a:extLst>
-              <a:ext uri="{FF2B5EF4-FFF2-40B4-BE49-F238E27FC236}">
-                <a16:creationId xmlns:a16="http://schemas.microsoft.com/office/drawing/2014/main" id="{CABE6FC6-42DD-C5D4-B56D-988E9320CCE8}"/>
-              </a:ext>
-            </a:extLst>
-          </p:cNvPr>
-          <p:cNvSpPr>
-            <a:spLocks noGrp="1"/>
-          </p:cNvSpPr>
-          <p:nvPr>
-            <p:ph type="body" idx="1"/>
-          </p:nvPr>
-        </p:nvSpPr>
-        <p:spPr>
-          <a:xfrm>
-            <a:off x="1371600" y="11734800"/>
-            <a:ext cx="10972800" cy="9601200"/>
-          </a:xfrm>
-          <a:prstGeom prst="rect">
-            <a:avLst/>
-          </a:prstGeom>
-        </p:spPr>
-        <p:txBody>
-          <a:bodyPr/>
-          <a:lstStyle/>
-          <a:p>
-            <a:endParaRPr lang="en-US" dirty="0"/>
-          </a:p>
-        </p:txBody>
-      </p:sp>
-    </p:spTree>
-    <p:extLst>
-      <p:ext uri="{BB962C8B-B14F-4D97-AF65-F5344CB8AC3E}">
-        <p14:creationId xmlns:p14="http://schemas.microsoft.com/office/powerpoint/2010/main" val="1673838904"/>
       </p:ext>
     </p:extLst>
   </p:cSld>
@@ -17999,6 +18101,1015 @@
         <p:cNvPr id="1" name="">
           <a:extLst>
             <a:ext uri="{FF2B5EF4-FFF2-40B4-BE49-F238E27FC236}">
+              <a16:creationId xmlns:a16="http://schemas.microsoft.com/office/drawing/2014/main" id="{BCAAD53C-C461-7A6C-436B-B215CFFE3FC9}"/>
+            </a:ext>
+          </a:extLst>
+        </p:cNvPr>
+        <p:cNvGrpSpPr/>
+        <p:nvPr/>
+      </p:nvGrpSpPr>
+      <p:grpSpPr>
+        <a:xfrm>
+          <a:off x="0" y="0"/>
+          <a:ext cx="0" cy="0"/>
+          <a:chOff x="0" y="0"/>
+          <a:chExt cx="0" cy="0"/>
+        </a:xfrm>
+      </p:grpSpPr>
+      <p:sp>
+        <p:nvSpPr>
+          <p:cNvPr id="2" name="Title 1">
+            <a:extLst>
+              <a:ext uri="{FF2B5EF4-FFF2-40B4-BE49-F238E27FC236}">
+                <a16:creationId xmlns:a16="http://schemas.microsoft.com/office/drawing/2014/main" id="{C0A238F9-3F9E-063A-EC8F-A2452EF0B49B}"/>
+              </a:ext>
+            </a:extLst>
+          </p:cNvPr>
+          <p:cNvSpPr>
+            <a:spLocks noGrp="1"/>
+          </p:cNvSpPr>
+          <p:nvPr>
+            <p:ph type="title"/>
+          </p:nvPr>
+        </p:nvSpPr>
+        <p:spPr>
+          <a:xfrm>
+            <a:off x="433111" y="410780"/>
+            <a:ext cx="7137728" cy="759259"/>
+          </a:xfrm>
+        </p:spPr>
+        <p:txBody>
+          <a:bodyPr/>
+          <a:lstStyle/>
+          <a:p>
+            <a:r>
+              <a:rPr lang="en-US" dirty="0"/>
+              <a:t>Defect identifier </a:t>
+            </a:r>
+            <a:r>
+              <a:rPr lang="en-IN" dirty="0"/>
+              <a:t>B_002</a:t>
+            </a:r>
+            <a:endParaRPr lang="en-US" dirty="0"/>
+          </a:p>
+        </p:txBody>
+      </p:sp>
+      <p:sp>
+        <p:nvSpPr>
+          <p:cNvPr id="3" name="Text Placeholder 2">
+            <a:extLst>
+              <a:ext uri="{FF2B5EF4-FFF2-40B4-BE49-F238E27FC236}">
+                <a16:creationId xmlns:a16="http://schemas.microsoft.com/office/drawing/2014/main" id="{D4178C17-2337-5EFA-5A86-E835D9EDFB81}"/>
+              </a:ext>
+            </a:extLst>
+          </p:cNvPr>
+          <p:cNvSpPr>
+            <a:spLocks noGrp="1"/>
+          </p:cNvSpPr>
+          <p:nvPr>
+            <p:ph idx="1"/>
+          </p:nvPr>
+        </p:nvSpPr>
+        <p:spPr>
+          <a:xfrm>
+            <a:off x="433111" y="1307690"/>
+            <a:ext cx="8365449" cy="5550310"/>
+          </a:xfrm>
+        </p:spPr>
+        <p:txBody>
+          <a:bodyPr>
+            <a:normAutofit/>
+          </a:bodyPr>
+          <a:lstStyle/>
+          <a:p>
+            <a:endParaRPr lang="en-US" sz="1800" b="1" dirty="0"/>
+          </a:p>
+          <a:p>
+            <a:endParaRPr lang="en-US" sz="1800" b="1" dirty="0"/>
+          </a:p>
+        </p:txBody>
+      </p:sp>
+      <p:sp>
+        <p:nvSpPr>
+          <p:cNvPr id="4" name="Rectangle 1">
+            <a:extLst>
+              <a:ext uri="{FF2B5EF4-FFF2-40B4-BE49-F238E27FC236}">
+                <a16:creationId xmlns:a16="http://schemas.microsoft.com/office/drawing/2014/main" id="{9DBB586B-475C-FD1F-4D64-120B39030F73}"/>
+              </a:ext>
+            </a:extLst>
+          </p:cNvPr>
+          <p:cNvSpPr>
+            <a:spLocks noChangeArrowheads="1"/>
+          </p:cNvSpPr>
+          <p:nvPr/>
+        </p:nvSpPr>
+        <p:spPr bwMode="auto">
+          <a:xfrm>
+            <a:off x="1966452" y="1202160"/>
+            <a:ext cx="11177980" cy="369332"/>
+          </a:xfrm>
+          <a:prstGeom prst="rect">
+            <a:avLst/>
+          </a:prstGeom>
+          <a:noFill/>
+          <a:ln>
+            <a:noFill/>
+          </a:ln>
+          <a:effectLst/>
+          <a:extLst>
+            <a:ext uri="{909E8E84-426E-40DD-AFC4-6F175D3DCCD1}">
+              <a14:hiddenFill xmlns:a14="http://schemas.microsoft.com/office/drawing/2010/main">
+                <a:solidFill>
+                  <a:schemeClr val="accent1"/>
+                </a:solidFill>
+              </a14:hiddenFill>
+            </a:ext>
+            <a:ext uri="{91240B29-F687-4F45-9708-019B960494DF}">
+              <a14:hiddenLine xmlns:a14="http://schemas.microsoft.com/office/drawing/2010/main" w="9525">
+                <a:solidFill>
+                  <a:schemeClr val="tx1"/>
+                </a:solidFill>
+                <a:miter lim="800000"/>
+                <a:headEnd/>
+                <a:tailEnd/>
+              </a14:hiddenLine>
+            </a:ext>
+            <a:ext uri="{AF507438-7753-43E0-B8FC-AC1667EBCBE1}">
+              <a14:hiddenEffects xmlns:a14="http://schemas.microsoft.com/office/drawing/2010/main">
+                <a:effectLst>
+                  <a:outerShdw dist="35921" dir="2700000" algn="ctr" rotWithShape="0">
+                    <a:schemeClr val="bg2"/>
+                  </a:outerShdw>
+                </a:effectLst>
+              </a14:hiddenEffects>
+            </a:ext>
+          </a:extLst>
+        </p:spPr>
+        <p:txBody>
+          <a:bodyPr vert="horz" wrap="square" lIns="91440" tIns="45720" rIns="91440" bIns="45720" numCol="1" anchor="ctr" anchorCtr="0" compatLnSpc="1">
+            <a:prstTxWarp prst="textNoShape">
+              <a:avLst/>
+            </a:prstTxWarp>
+            <a:spAutoFit/>
+          </a:bodyPr>
+          <a:lstStyle/>
+          <a:p>
+            <a:pPr marL="0" marR="0" lvl="0" indent="0" algn="l" defTabSz="914400" rtl="0" eaLnBrk="0" fontAlgn="base" latinLnBrk="0" hangingPunct="0">
+              <a:lnSpc>
+                <a:spcPct val="100000"/>
+              </a:lnSpc>
+              <a:spcBef>
+                <a:spcPct val="0"/>
+              </a:spcBef>
+              <a:spcAft>
+                <a:spcPct val="0"/>
+              </a:spcAft>
+              <a:buClrTx/>
+              <a:buSzTx/>
+              <a:tabLst/>
+            </a:pPr>
+            <a:endParaRPr kumimoji="0" lang="en-US" altLang="en-US" sz="1800" b="0" i="0" u="none" strike="noStrike" cap="none" normalizeH="0" baseline="0" dirty="0">
+              <a:ln>
+                <a:noFill/>
+              </a:ln>
+              <a:solidFill>
+                <a:schemeClr val="tx1"/>
+              </a:solidFill>
+              <a:effectLst/>
+              <a:latin typeface="Arial" panose="020B0604020202020204" pitchFamily="34" charset="0"/>
+            </a:endParaRPr>
+          </a:p>
+        </p:txBody>
+      </p:sp>
+      <p:sp>
+        <p:nvSpPr>
+          <p:cNvPr id="8" name="Rectangle 4">
+            <a:extLst>
+              <a:ext uri="{FF2B5EF4-FFF2-40B4-BE49-F238E27FC236}">
+                <a16:creationId xmlns:a16="http://schemas.microsoft.com/office/drawing/2014/main" id="{B176ED07-32CE-2380-E594-2F339528F2CA}"/>
+              </a:ext>
+            </a:extLst>
+          </p:cNvPr>
+          <p:cNvSpPr>
+            <a:spLocks noChangeArrowheads="1"/>
+          </p:cNvSpPr>
+          <p:nvPr/>
+        </p:nvSpPr>
+        <p:spPr bwMode="auto">
+          <a:xfrm rot="10800000" flipV="1">
+            <a:off x="433110" y="1213715"/>
+            <a:ext cx="8238941" cy="4524315"/>
+          </a:xfrm>
+          <a:prstGeom prst="rect">
+            <a:avLst/>
+          </a:prstGeom>
+          <a:noFill/>
+          <a:ln>
+            <a:noFill/>
+          </a:ln>
+          <a:effectLst/>
+          <a:extLst>
+            <a:ext uri="{909E8E84-426E-40DD-AFC4-6F175D3DCCD1}">
+              <a14:hiddenFill xmlns:a14="http://schemas.microsoft.com/office/drawing/2010/main">
+                <a:solidFill>
+                  <a:schemeClr val="accent1"/>
+                </a:solidFill>
+              </a14:hiddenFill>
+            </a:ext>
+            <a:ext uri="{91240B29-F687-4F45-9708-019B960494DF}">
+              <a14:hiddenLine xmlns:a14="http://schemas.microsoft.com/office/drawing/2010/main" w="9525">
+                <a:solidFill>
+                  <a:schemeClr val="tx1"/>
+                </a:solidFill>
+                <a:miter lim="800000"/>
+                <a:headEnd/>
+                <a:tailEnd/>
+              </a14:hiddenLine>
+            </a:ext>
+            <a:ext uri="{AF507438-7753-43E0-B8FC-AC1667EBCBE1}">
+              <a14:hiddenEffects xmlns:a14="http://schemas.microsoft.com/office/drawing/2010/main">
+                <a:effectLst>
+                  <a:outerShdw dist="35921" dir="2700000" algn="ctr" rotWithShape="0">
+                    <a:schemeClr val="bg2"/>
+                  </a:outerShdw>
+                </a:effectLst>
+              </a14:hiddenEffects>
+            </a:ext>
+          </a:extLst>
+        </p:spPr>
+        <p:txBody>
+          <a:bodyPr vert="horz" wrap="square" lIns="91440" tIns="45720" rIns="91440" bIns="45720" numCol="1" anchor="ctr" anchorCtr="0" compatLnSpc="1">
+            <a:prstTxWarp prst="textNoShape">
+              <a:avLst/>
+            </a:prstTxWarp>
+            <a:spAutoFit/>
+          </a:bodyPr>
+          <a:lstStyle/>
+          <a:p>
+            <a:pPr lvl="0" defTabSz="914400" eaLnBrk="0" fontAlgn="base" hangingPunct="0">
+              <a:spcBef>
+                <a:spcPct val="0"/>
+              </a:spcBef>
+              <a:spcAft>
+                <a:spcPct val="0"/>
+              </a:spcAft>
+              <a:buFontTx/>
+              <a:buChar char="•"/>
+            </a:pPr>
+            <a:r>
+              <a:rPr kumimoji="0" lang="en-US" altLang="en-US" sz="1800" b="1" i="0" u="none" strike="noStrike" cap="none" normalizeH="0" baseline="0" dirty="0">
+                <a:ln>
+                  <a:noFill/>
+                </a:ln>
+                <a:solidFill>
+                  <a:schemeClr val="accent6"/>
+                </a:solidFill>
+                <a:effectLst/>
+                <a:latin typeface="Arial" panose="020B0604020202020204" pitchFamily="34" charset="0"/>
+              </a:rPr>
+              <a:t>DEFECT SUMMARY</a:t>
+            </a:r>
+            <a:r>
+              <a:rPr kumimoji="0" lang="en-US" altLang="en-US" sz="1800" b="0" i="0" u="none" strike="noStrike" cap="none" normalizeH="0" baseline="0" dirty="0">
+                <a:ln>
+                  <a:noFill/>
+                </a:ln>
+                <a:solidFill>
+                  <a:schemeClr val="accent6"/>
+                </a:solidFill>
+                <a:effectLst/>
+                <a:latin typeface="Arial" panose="020B0604020202020204" pitchFamily="34" charset="0"/>
+              </a:rPr>
+              <a:t> :- </a:t>
+            </a:r>
+            <a:r>
+              <a:rPr lang="en-IN" dirty="0">
+                <a:solidFill>
+                  <a:schemeClr val="accent6"/>
+                </a:solidFill>
+              </a:rPr>
+              <a:t>Clicking on some categories of motors displaying an error message like </a:t>
+            </a:r>
+            <a:r>
+              <a:rPr lang="en-US" dirty="0">
+                <a:solidFill>
+                  <a:schemeClr val="accent6"/>
+                </a:solidFill>
+              </a:rPr>
+              <a:t>0 results found. Try </a:t>
+            </a:r>
+            <a:r>
+              <a:rPr lang="en-US" b="1" dirty="0">
+                <a:solidFill>
+                  <a:schemeClr val="accent6"/>
+                </a:solidFill>
+                <a:hlinkClick r:id="rId3">
+                  <a:extLst>
+                    <a:ext uri="{A12FA001-AC4F-418D-AE19-62706E023703}">
+                      <ahyp:hlinkClr xmlns:ahyp="http://schemas.microsoft.com/office/drawing/2018/hyperlinkcolor" val="tx"/>
+                    </a:ext>
+                  </a:extLst>
+                </a:hlinkClick>
+              </a:rPr>
+              <a:t>Cars &amp; Trucks</a:t>
+            </a:r>
+            <a:r>
+              <a:rPr lang="en-US" dirty="0">
+                <a:solidFill>
+                  <a:schemeClr val="accent6"/>
+                </a:solidFill>
+              </a:rPr>
+              <a:t> or removing some filters to see more results even it is listing the related products.</a:t>
+            </a:r>
+            <a:endParaRPr kumimoji="0" lang="en-US" altLang="en-US" sz="1800" b="0" i="0" u="none" strike="noStrike" cap="none" normalizeH="0" baseline="0" dirty="0">
+              <a:ln>
+                <a:noFill/>
+              </a:ln>
+              <a:solidFill>
+                <a:schemeClr val="accent6"/>
+              </a:solidFill>
+              <a:effectLst/>
+              <a:latin typeface="Arial" panose="020B0604020202020204" pitchFamily="34" charset="0"/>
+            </a:endParaRPr>
+          </a:p>
+          <a:p>
+            <a:pPr marL="0" marR="0" lvl="0" indent="0" algn="l" defTabSz="914400" rtl="0" eaLnBrk="0" fontAlgn="base" latinLnBrk="0" hangingPunct="0">
+              <a:lnSpc>
+                <a:spcPct val="100000"/>
+              </a:lnSpc>
+              <a:spcBef>
+                <a:spcPct val="0"/>
+              </a:spcBef>
+              <a:spcAft>
+                <a:spcPct val="0"/>
+              </a:spcAft>
+              <a:buClrTx/>
+              <a:buSzTx/>
+              <a:buFontTx/>
+              <a:buChar char="•"/>
+              <a:tabLst/>
+            </a:pPr>
+            <a:r>
+              <a:rPr kumimoji="0" lang="en-US" altLang="en-US" sz="1800" b="1" i="0" u="none" strike="noStrike" cap="none" normalizeH="0" baseline="0" dirty="0">
+                <a:ln>
+                  <a:noFill/>
+                </a:ln>
+                <a:solidFill>
+                  <a:schemeClr val="accent6"/>
+                </a:solidFill>
+                <a:effectLst/>
+                <a:latin typeface="Arial" panose="020B0604020202020204" pitchFamily="34" charset="0"/>
+              </a:rPr>
+              <a:t>TEST ID</a:t>
+            </a:r>
+            <a:r>
+              <a:rPr kumimoji="0" lang="en-US" altLang="en-US" sz="1800" b="0" i="0" u="none" strike="noStrike" cap="none" normalizeH="0" baseline="0" dirty="0">
+                <a:ln>
+                  <a:noFill/>
+                </a:ln>
+                <a:solidFill>
+                  <a:schemeClr val="accent6"/>
+                </a:solidFill>
+                <a:effectLst/>
+                <a:latin typeface="Arial" panose="020B0604020202020204" pitchFamily="34" charset="0"/>
+              </a:rPr>
+              <a:t> :- TC_021</a:t>
+            </a:r>
+          </a:p>
+          <a:p>
+            <a:pPr lvl="0" defTabSz="914400" eaLnBrk="0" fontAlgn="base" hangingPunct="0">
+              <a:spcBef>
+                <a:spcPct val="0"/>
+              </a:spcBef>
+              <a:spcAft>
+                <a:spcPct val="0"/>
+              </a:spcAft>
+              <a:buFontTx/>
+              <a:buChar char="•"/>
+            </a:pPr>
+            <a:r>
+              <a:rPr kumimoji="0" lang="en-US" altLang="en-US" sz="1800" b="1" i="0" u="none" strike="noStrike" cap="none" normalizeH="0" baseline="0" dirty="0">
+                <a:ln>
+                  <a:noFill/>
+                </a:ln>
+                <a:solidFill>
+                  <a:schemeClr val="accent6"/>
+                </a:solidFill>
+                <a:effectLst/>
+                <a:latin typeface="Arial" panose="020B0604020202020204" pitchFamily="34" charset="0"/>
+              </a:rPr>
+              <a:t>TEST CASE NAME</a:t>
+            </a:r>
+            <a:r>
+              <a:rPr kumimoji="0" lang="en-US" altLang="en-US" sz="1800" b="0" i="0" u="none" strike="noStrike" cap="none" normalizeH="0" baseline="0" dirty="0">
+                <a:ln>
+                  <a:noFill/>
+                </a:ln>
+                <a:solidFill>
+                  <a:schemeClr val="accent6"/>
+                </a:solidFill>
+                <a:effectLst/>
+                <a:latin typeface="Arial" panose="020B0604020202020204" pitchFamily="34" charset="0"/>
+              </a:rPr>
+              <a:t> :- </a:t>
+            </a:r>
+            <a:r>
+              <a:rPr lang="en-IN" dirty="0">
+                <a:solidFill>
+                  <a:schemeClr val="accent6"/>
+                </a:solidFill>
+              </a:rPr>
+              <a:t>TC_SHOP_BY_CATEGORY</a:t>
+            </a:r>
+            <a:endParaRPr kumimoji="0" lang="en-US" altLang="en-US" sz="1800" b="0" i="0" u="none" strike="noStrike" cap="none" normalizeH="0" baseline="0" dirty="0">
+              <a:ln>
+                <a:noFill/>
+              </a:ln>
+              <a:solidFill>
+                <a:schemeClr val="accent6"/>
+              </a:solidFill>
+              <a:effectLst/>
+              <a:latin typeface="Arial" panose="020B0604020202020204" pitchFamily="34" charset="0"/>
+            </a:endParaRPr>
+          </a:p>
+          <a:p>
+            <a:pPr lvl="0" defTabSz="914400" eaLnBrk="0" fontAlgn="base" hangingPunct="0">
+              <a:spcBef>
+                <a:spcPct val="0"/>
+              </a:spcBef>
+              <a:spcAft>
+                <a:spcPct val="0"/>
+              </a:spcAft>
+              <a:buFontTx/>
+              <a:buChar char="•"/>
+            </a:pPr>
+            <a:r>
+              <a:rPr kumimoji="0" lang="en-US" altLang="en-US" sz="1800" b="1" i="0" u="none" strike="noStrike" cap="none" normalizeH="0" baseline="0" dirty="0">
+                <a:ln>
+                  <a:noFill/>
+                </a:ln>
+                <a:solidFill>
+                  <a:schemeClr val="accent6"/>
+                </a:solidFill>
+                <a:effectLst/>
+                <a:latin typeface="Arial" panose="020B0604020202020204" pitchFamily="34" charset="0"/>
+              </a:rPr>
+              <a:t>MODULE NAME</a:t>
+            </a:r>
+            <a:r>
+              <a:rPr kumimoji="0" lang="en-US" altLang="en-US" sz="1800" b="0" i="0" u="none" strike="noStrike" cap="none" normalizeH="0" baseline="0" dirty="0">
+                <a:ln>
+                  <a:noFill/>
+                </a:ln>
+                <a:solidFill>
+                  <a:schemeClr val="accent6"/>
+                </a:solidFill>
+                <a:effectLst/>
+                <a:latin typeface="Arial" panose="020B0604020202020204" pitchFamily="34" charset="0"/>
+              </a:rPr>
+              <a:t> :- </a:t>
+            </a:r>
+            <a:r>
+              <a:rPr lang="en-IN" dirty="0">
+                <a:solidFill>
+                  <a:schemeClr val="accent6"/>
+                </a:solidFill>
+              </a:rPr>
+              <a:t>SHOP BY CATEGORIES</a:t>
+            </a:r>
+            <a:endParaRPr kumimoji="0" lang="en-US" altLang="en-US" sz="1800" b="0" i="0" u="none" strike="noStrike" cap="none" normalizeH="0" baseline="0" dirty="0">
+              <a:ln>
+                <a:noFill/>
+              </a:ln>
+              <a:solidFill>
+                <a:schemeClr val="accent6"/>
+              </a:solidFill>
+              <a:effectLst/>
+              <a:latin typeface="Arial" panose="020B0604020202020204" pitchFamily="34" charset="0"/>
+            </a:endParaRPr>
+          </a:p>
+          <a:p>
+            <a:pPr marL="0" marR="0" lvl="0" indent="0" algn="l" defTabSz="914400" rtl="0" eaLnBrk="0" fontAlgn="base" latinLnBrk="0" hangingPunct="0">
+              <a:lnSpc>
+                <a:spcPct val="100000"/>
+              </a:lnSpc>
+              <a:spcBef>
+                <a:spcPct val="0"/>
+              </a:spcBef>
+              <a:spcAft>
+                <a:spcPct val="0"/>
+              </a:spcAft>
+              <a:buClrTx/>
+              <a:buSzTx/>
+              <a:buFontTx/>
+              <a:buChar char="•"/>
+              <a:tabLst/>
+            </a:pPr>
+            <a:r>
+              <a:rPr kumimoji="0" lang="en-US" altLang="en-US" sz="1800" b="1" i="0" u="none" strike="noStrike" cap="none" normalizeH="0" baseline="0" dirty="0">
+                <a:ln>
+                  <a:noFill/>
+                </a:ln>
+                <a:solidFill>
+                  <a:schemeClr val="accent6"/>
+                </a:solidFill>
+                <a:effectLst/>
+                <a:latin typeface="Arial" panose="020B0604020202020204" pitchFamily="34" charset="0"/>
+              </a:rPr>
+              <a:t>REPRODUCIBLE</a:t>
+            </a:r>
+            <a:r>
+              <a:rPr kumimoji="0" lang="en-US" altLang="en-US" sz="1800" b="0" i="0" u="none" strike="noStrike" cap="none" normalizeH="0" baseline="0" dirty="0">
+                <a:ln>
+                  <a:noFill/>
+                </a:ln>
+                <a:solidFill>
+                  <a:schemeClr val="accent6"/>
+                </a:solidFill>
+                <a:effectLst/>
+                <a:latin typeface="Arial" panose="020B0604020202020204" pitchFamily="34" charset="0"/>
+              </a:rPr>
+              <a:t> :- YES</a:t>
+            </a:r>
+          </a:p>
+          <a:p>
+            <a:pPr marL="0" marR="0" lvl="0" indent="0" algn="l" defTabSz="914400" rtl="0" eaLnBrk="0" fontAlgn="base" latinLnBrk="0" hangingPunct="0">
+              <a:lnSpc>
+                <a:spcPct val="100000"/>
+              </a:lnSpc>
+              <a:spcBef>
+                <a:spcPct val="0"/>
+              </a:spcBef>
+              <a:spcAft>
+                <a:spcPct val="0"/>
+              </a:spcAft>
+              <a:buClrTx/>
+              <a:buSzTx/>
+              <a:buFontTx/>
+              <a:buChar char="•"/>
+              <a:tabLst/>
+            </a:pPr>
+            <a:r>
+              <a:rPr kumimoji="0" lang="en-US" altLang="en-US" sz="1800" b="1" i="0" u="none" strike="noStrike" cap="none" normalizeH="0" baseline="0" dirty="0">
+                <a:ln>
+                  <a:noFill/>
+                </a:ln>
+                <a:solidFill>
+                  <a:schemeClr val="accent6"/>
+                </a:solidFill>
+                <a:effectLst/>
+                <a:latin typeface="Arial" panose="020B0604020202020204" pitchFamily="34" charset="0"/>
+              </a:rPr>
+              <a:t>SEVERITY</a:t>
+            </a:r>
+            <a:r>
+              <a:rPr kumimoji="0" lang="en-US" altLang="en-US" sz="1800" b="0" i="0" u="none" strike="noStrike" cap="none" normalizeH="0" baseline="0" dirty="0">
+                <a:ln>
+                  <a:noFill/>
+                </a:ln>
+                <a:solidFill>
+                  <a:schemeClr val="accent6"/>
+                </a:solidFill>
+                <a:effectLst/>
+                <a:latin typeface="Arial" panose="020B0604020202020204" pitchFamily="34" charset="0"/>
+              </a:rPr>
+              <a:t> :- HIGH</a:t>
+            </a:r>
+          </a:p>
+          <a:p>
+            <a:pPr marL="0" marR="0" lvl="0" indent="0" algn="l" defTabSz="914400" rtl="0" eaLnBrk="0" fontAlgn="base" latinLnBrk="0" hangingPunct="0">
+              <a:lnSpc>
+                <a:spcPct val="100000"/>
+              </a:lnSpc>
+              <a:spcBef>
+                <a:spcPct val="0"/>
+              </a:spcBef>
+              <a:spcAft>
+                <a:spcPct val="0"/>
+              </a:spcAft>
+              <a:buClrTx/>
+              <a:buSzTx/>
+              <a:buFontTx/>
+              <a:buChar char="•"/>
+              <a:tabLst/>
+            </a:pPr>
+            <a:r>
+              <a:rPr kumimoji="0" lang="en-US" altLang="en-US" sz="1800" b="1" i="0" u="none" strike="noStrike" cap="none" normalizeH="0" baseline="0" dirty="0">
+                <a:ln>
+                  <a:noFill/>
+                </a:ln>
+                <a:solidFill>
+                  <a:schemeClr val="accent6"/>
+                </a:solidFill>
+                <a:effectLst/>
+                <a:latin typeface="Arial" panose="020B0604020202020204" pitchFamily="34" charset="0"/>
+              </a:rPr>
+              <a:t>PRIORITY</a:t>
+            </a:r>
+            <a:r>
+              <a:rPr kumimoji="0" lang="en-US" altLang="en-US" sz="1800" b="0" i="0" u="none" strike="noStrike" cap="none" normalizeH="0" baseline="0" dirty="0">
+                <a:ln>
+                  <a:noFill/>
+                </a:ln>
+                <a:solidFill>
+                  <a:schemeClr val="accent6"/>
+                </a:solidFill>
+                <a:effectLst/>
+                <a:latin typeface="Arial" panose="020B0604020202020204" pitchFamily="34" charset="0"/>
+              </a:rPr>
+              <a:t> :- HIGH</a:t>
+            </a:r>
+          </a:p>
+          <a:p>
+            <a:pPr marL="0" marR="0" lvl="0" indent="0" algn="l" defTabSz="914400" rtl="0" eaLnBrk="0" fontAlgn="base" latinLnBrk="0" hangingPunct="0">
+              <a:lnSpc>
+                <a:spcPct val="100000"/>
+              </a:lnSpc>
+              <a:spcBef>
+                <a:spcPct val="0"/>
+              </a:spcBef>
+              <a:spcAft>
+                <a:spcPct val="0"/>
+              </a:spcAft>
+              <a:buClrTx/>
+              <a:buSzTx/>
+              <a:buFontTx/>
+              <a:buChar char="•"/>
+              <a:tabLst/>
+            </a:pPr>
+            <a:r>
+              <a:rPr kumimoji="0" lang="en-US" altLang="en-US" sz="1800" b="1" i="0" u="none" strike="noStrike" cap="none" normalizeH="0" baseline="0" dirty="0">
+                <a:ln>
+                  <a:noFill/>
+                </a:ln>
+                <a:solidFill>
+                  <a:schemeClr val="accent6"/>
+                </a:solidFill>
+                <a:effectLst/>
+                <a:latin typeface="Arial" panose="020B0604020202020204" pitchFamily="34" charset="0"/>
+              </a:rPr>
+              <a:t>RAISED BY</a:t>
+            </a:r>
+            <a:r>
+              <a:rPr kumimoji="0" lang="en-US" altLang="en-US" sz="1800" b="0" i="0" u="none" strike="noStrike" cap="none" normalizeH="0" baseline="0" dirty="0">
+                <a:ln>
+                  <a:noFill/>
+                </a:ln>
+                <a:solidFill>
+                  <a:schemeClr val="accent6"/>
+                </a:solidFill>
+                <a:effectLst/>
+                <a:latin typeface="Arial" panose="020B0604020202020204" pitchFamily="34" charset="0"/>
+              </a:rPr>
+              <a:t> :- Pragati</a:t>
+            </a:r>
+          </a:p>
+          <a:p>
+            <a:pPr marL="0" marR="0" lvl="0" indent="0" algn="l" defTabSz="914400" rtl="0" eaLnBrk="0" fontAlgn="base" latinLnBrk="0" hangingPunct="0">
+              <a:lnSpc>
+                <a:spcPct val="100000"/>
+              </a:lnSpc>
+              <a:spcBef>
+                <a:spcPct val="0"/>
+              </a:spcBef>
+              <a:spcAft>
+                <a:spcPct val="0"/>
+              </a:spcAft>
+              <a:buClrTx/>
+              <a:buSzTx/>
+              <a:buFontTx/>
+              <a:buChar char="•"/>
+              <a:tabLst/>
+            </a:pPr>
+            <a:r>
+              <a:rPr kumimoji="0" lang="en-US" altLang="en-US" sz="1800" b="1" i="0" u="none" strike="noStrike" cap="none" normalizeH="0" baseline="0" dirty="0">
+                <a:ln>
+                  <a:noFill/>
+                </a:ln>
+                <a:solidFill>
+                  <a:schemeClr val="accent6"/>
+                </a:solidFill>
+                <a:effectLst/>
+                <a:latin typeface="Arial" panose="020B0604020202020204" pitchFamily="34" charset="0"/>
+              </a:rPr>
+              <a:t>ASSIGNED TO</a:t>
+            </a:r>
+            <a:r>
+              <a:rPr kumimoji="0" lang="en-US" altLang="en-US" sz="1800" b="0" i="0" u="none" strike="noStrike" cap="none" normalizeH="0" baseline="0" dirty="0">
+                <a:ln>
+                  <a:noFill/>
+                </a:ln>
+                <a:solidFill>
+                  <a:schemeClr val="accent6"/>
+                </a:solidFill>
+                <a:effectLst/>
+                <a:latin typeface="Arial" panose="020B0604020202020204" pitchFamily="34" charset="0"/>
+              </a:rPr>
+              <a:t> :- DEVELOPER TEAM LEAD</a:t>
+            </a:r>
+          </a:p>
+          <a:p>
+            <a:pPr marL="0" marR="0" lvl="0" indent="0" algn="l" defTabSz="914400" rtl="0" eaLnBrk="0" fontAlgn="base" latinLnBrk="0" hangingPunct="0">
+              <a:lnSpc>
+                <a:spcPct val="100000"/>
+              </a:lnSpc>
+              <a:spcBef>
+                <a:spcPct val="0"/>
+              </a:spcBef>
+              <a:spcAft>
+                <a:spcPct val="0"/>
+              </a:spcAft>
+              <a:buClrTx/>
+              <a:buSzTx/>
+              <a:buFontTx/>
+              <a:buChar char="•"/>
+              <a:tabLst/>
+            </a:pPr>
+            <a:r>
+              <a:rPr kumimoji="0" lang="en-US" altLang="en-US" sz="1800" b="1" i="0" u="none" strike="noStrike" cap="none" normalizeH="0" baseline="0" dirty="0">
+                <a:ln>
+                  <a:noFill/>
+                </a:ln>
+                <a:solidFill>
+                  <a:schemeClr val="accent6"/>
+                </a:solidFill>
+                <a:effectLst/>
+                <a:latin typeface="Arial" panose="020B0604020202020204" pitchFamily="34" charset="0"/>
+              </a:rPr>
+              <a:t>DATE OF ASSIGNMENT</a:t>
+            </a:r>
+            <a:r>
+              <a:rPr kumimoji="0" lang="en-US" altLang="en-US" sz="1800" b="0" i="0" u="none" strike="noStrike" cap="none" normalizeH="0" baseline="0" dirty="0">
+                <a:ln>
+                  <a:noFill/>
+                </a:ln>
+                <a:solidFill>
+                  <a:schemeClr val="accent6"/>
+                </a:solidFill>
+                <a:effectLst/>
+                <a:latin typeface="Arial" panose="020B0604020202020204" pitchFamily="34" charset="0"/>
+              </a:rPr>
+              <a:t> :- [To be filled]</a:t>
+            </a:r>
+          </a:p>
+          <a:p>
+            <a:pPr marL="0" marR="0" lvl="0" indent="0" algn="l" defTabSz="914400" rtl="0" eaLnBrk="0" fontAlgn="base" latinLnBrk="0" hangingPunct="0">
+              <a:lnSpc>
+                <a:spcPct val="100000"/>
+              </a:lnSpc>
+              <a:spcBef>
+                <a:spcPct val="0"/>
+              </a:spcBef>
+              <a:spcAft>
+                <a:spcPct val="0"/>
+              </a:spcAft>
+              <a:buClrTx/>
+              <a:buSzTx/>
+              <a:buFontTx/>
+              <a:buChar char="•"/>
+              <a:tabLst/>
+            </a:pPr>
+            <a:r>
+              <a:rPr kumimoji="0" lang="en-US" altLang="en-US" sz="1800" b="1" i="0" u="none" strike="noStrike" cap="none" normalizeH="0" baseline="0" dirty="0">
+                <a:ln>
+                  <a:noFill/>
+                </a:ln>
+                <a:solidFill>
+                  <a:schemeClr val="accent6"/>
+                </a:solidFill>
+                <a:effectLst/>
+                <a:latin typeface="Arial" panose="020B0604020202020204" pitchFamily="34" charset="0"/>
+              </a:rPr>
+              <a:t>STATUS</a:t>
+            </a:r>
+            <a:r>
+              <a:rPr kumimoji="0" lang="en-US" altLang="en-US" sz="1800" b="0" i="0" u="none" strike="noStrike" cap="none" normalizeH="0" baseline="0" dirty="0">
+                <a:ln>
+                  <a:noFill/>
+                </a:ln>
+                <a:solidFill>
+                  <a:schemeClr val="accent6"/>
+                </a:solidFill>
+                <a:effectLst/>
+                <a:latin typeface="Arial" panose="020B0604020202020204" pitchFamily="34" charset="0"/>
+              </a:rPr>
+              <a:t> :- PENDING</a:t>
+            </a:r>
+          </a:p>
+          <a:p>
+            <a:pPr lvl="0" defTabSz="914400" eaLnBrk="0" fontAlgn="base" hangingPunct="0">
+              <a:spcBef>
+                <a:spcPct val="0"/>
+              </a:spcBef>
+              <a:spcAft>
+                <a:spcPct val="0"/>
+              </a:spcAft>
+              <a:buFontTx/>
+              <a:buChar char="•"/>
+            </a:pPr>
+            <a:r>
+              <a:rPr kumimoji="0" lang="en-US" altLang="en-US" sz="1800" b="1" i="0" u="none" strike="noStrike" cap="none" normalizeH="0" baseline="0" dirty="0">
+                <a:ln>
+                  <a:noFill/>
+                </a:ln>
+                <a:solidFill>
+                  <a:schemeClr val="accent6"/>
+                </a:solidFill>
+                <a:effectLst/>
+                <a:latin typeface="Arial" panose="020B0604020202020204" pitchFamily="34" charset="0"/>
+              </a:rPr>
+              <a:t>SNAP SHOTS</a:t>
+            </a:r>
+            <a:r>
+              <a:rPr kumimoji="0" lang="en-US" altLang="en-US" sz="1800" b="0" i="0" u="none" strike="noStrike" cap="none" normalizeH="0" baseline="0" dirty="0">
+                <a:ln>
+                  <a:noFill/>
+                </a:ln>
+                <a:solidFill>
+                  <a:schemeClr val="accent6"/>
+                </a:solidFill>
+                <a:effectLst/>
+                <a:latin typeface="Arial" panose="020B0604020202020204" pitchFamily="34" charset="0"/>
+              </a:rPr>
+              <a:t> :- </a:t>
+            </a:r>
+            <a:r>
+              <a:rPr lang="en-US" dirty="0">
+                <a:solidFill>
+                  <a:schemeClr val="accent6"/>
+                </a:solidFill>
+              </a:rPr>
+              <a:t>[Attach screenshot of failed category navigation]</a:t>
+            </a:r>
+            <a:endParaRPr kumimoji="0" lang="en-US" altLang="en-US" sz="1800" b="0" i="0" u="none" strike="noStrike" cap="none" normalizeH="0" baseline="0" dirty="0">
+              <a:ln>
+                <a:noFill/>
+              </a:ln>
+              <a:solidFill>
+                <a:schemeClr val="accent6"/>
+              </a:solidFill>
+              <a:effectLst/>
+              <a:latin typeface="Arial" panose="020B0604020202020204" pitchFamily="34" charset="0"/>
+            </a:endParaRPr>
+          </a:p>
+          <a:p>
+            <a:pPr marL="0" marR="0" lvl="0" indent="0" algn="l" defTabSz="914400" rtl="0" eaLnBrk="0" fontAlgn="base" latinLnBrk="0" hangingPunct="0">
+              <a:lnSpc>
+                <a:spcPct val="100000"/>
+              </a:lnSpc>
+              <a:spcBef>
+                <a:spcPct val="0"/>
+              </a:spcBef>
+              <a:spcAft>
+                <a:spcPct val="0"/>
+              </a:spcAft>
+              <a:buClrTx/>
+              <a:buSzTx/>
+              <a:buFontTx/>
+              <a:buChar char="•"/>
+              <a:tabLst/>
+            </a:pPr>
+            <a:r>
+              <a:rPr kumimoji="0" lang="en-US" altLang="en-US" sz="1800" b="1" i="0" u="none" strike="noStrike" cap="none" normalizeH="0" baseline="0" dirty="0">
+                <a:ln>
+                  <a:noFill/>
+                </a:ln>
+                <a:solidFill>
+                  <a:schemeClr val="accent6"/>
+                </a:solidFill>
+                <a:effectLst/>
+                <a:latin typeface="Arial" panose="020B0604020202020204" pitchFamily="34" charset="0"/>
+              </a:rPr>
+              <a:t>FIXED BY</a:t>
+            </a:r>
+            <a:r>
+              <a:rPr kumimoji="0" lang="en-US" altLang="en-US" sz="1800" b="0" i="0" u="none" strike="noStrike" cap="none" normalizeH="0" baseline="0" dirty="0">
+                <a:ln>
+                  <a:noFill/>
+                </a:ln>
+                <a:solidFill>
+                  <a:schemeClr val="accent6"/>
+                </a:solidFill>
+                <a:effectLst/>
+                <a:latin typeface="Arial" panose="020B0604020202020204" pitchFamily="34" charset="0"/>
+              </a:rPr>
+              <a:t> :- DEVELOPER</a:t>
+            </a:r>
+          </a:p>
+          <a:p>
+            <a:pPr marL="0" marR="0" lvl="0" indent="0" algn="l" defTabSz="914400" rtl="0" eaLnBrk="0" fontAlgn="base" latinLnBrk="0" hangingPunct="0">
+              <a:lnSpc>
+                <a:spcPct val="100000"/>
+              </a:lnSpc>
+              <a:spcBef>
+                <a:spcPct val="0"/>
+              </a:spcBef>
+              <a:spcAft>
+                <a:spcPct val="0"/>
+              </a:spcAft>
+              <a:buClrTx/>
+              <a:buSzTx/>
+              <a:buFontTx/>
+              <a:buChar char="•"/>
+              <a:tabLst/>
+            </a:pPr>
+            <a:r>
+              <a:rPr kumimoji="0" lang="en-US" altLang="en-US" sz="1800" b="1" i="0" u="none" strike="noStrike" cap="none" normalizeH="0" baseline="0" dirty="0">
+                <a:ln>
+                  <a:noFill/>
+                </a:ln>
+                <a:solidFill>
+                  <a:schemeClr val="accent6"/>
+                </a:solidFill>
+                <a:effectLst/>
+                <a:latin typeface="Arial" panose="020B0604020202020204" pitchFamily="34" charset="0"/>
+              </a:rPr>
+              <a:t>DATE OF FIXING</a:t>
+            </a:r>
+            <a:r>
+              <a:rPr kumimoji="0" lang="en-US" altLang="en-US" sz="1800" b="0" i="0" u="none" strike="noStrike" cap="none" normalizeH="0" baseline="0" dirty="0">
+                <a:ln>
+                  <a:noFill/>
+                </a:ln>
+                <a:solidFill>
+                  <a:schemeClr val="accent6"/>
+                </a:solidFill>
+                <a:effectLst/>
+                <a:latin typeface="Arial" panose="020B0604020202020204" pitchFamily="34" charset="0"/>
+              </a:rPr>
+              <a:t> :- [To be filled]</a:t>
+            </a:r>
+          </a:p>
+        </p:txBody>
+      </p:sp>
+      <p:pic>
+        <p:nvPicPr>
+          <p:cNvPr id="2054" name="Picture 6" descr="3 Types of Quality Defects for Defect Classification">
+            <a:extLst>
+              <a:ext uri="{FF2B5EF4-FFF2-40B4-BE49-F238E27FC236}">
+                <a16:creationId xmlns:a16="http://schemas.microsoft.com/office/drawing/2014/main" id="{E3C378FF-9A32-F01D-9ADA-3140F63D1C96}"/>
+              </a:ext>
+            </a:extLst>
+          </p:cNvPr>
+          <p:cNvPicPr>
+            <a:picLocks noChangeAspect="1" noChangeArrowheads="1"/>
+          </p:cNvPicPr>
+          <p:nvPr/>
+        </p:nvPicPr>
+        <p:blipFill>
+          <a:blip r:embed="rId4">
+            <a:extLst>
+              <a:ext uri="{28A0092B-C50C-407E-A947-70E740481C1C}">
+                <a14:useLocalDpi xmlns:a14="http://schemas.microsoft.com/office/drawing/2010/main" val="0"/>
+              </a:ext>
+            </a:extLst>
+          </a:blip>
+          <a:srcRect/>
+          <a:stretch>
+            <a:fillRect/>
+          </a:stretch>
+        </p:blipFill>
+        <p:spPr bwMode="auto">
+          <a:xfrm>
+            <a:off x="7403690" y="1887794"/>
+            <a:ext cx="4247536" cy="3493830"/>
+          </a:xfrm>
+          <a:prstGeom prst="rect">
+            <a:avLst/>
+          </a:prstGeom>
+          <a:noFill/>
+          <a:extLst>
+            <a:ext uri="{909E8E84-426E-40DD-AFC4-6F175D3DCCD1}">
+              <a14:hiddenFill xmlns:a14="http://schemas.microsoft.com/office/drawing/2010/main">
+                <a:solidFill>
+                  <a:srgbClr val="FFFFFF"/>
+                </a:solidFill>
+              </a14:hiddenFill>
+            </a:ext>
+          </a:extLst>
+        </p:spPr>
+      </p:pic>
+    </p:spTree>
+    <p:extLst>
+      <p:ext uri="{BB962C8B-B14F-4D97-AF65-F5344CB8AC3E}">
+        <p14:creationId xmlns:p14="http://schemas.microsoft.com/office/powerpoint/2010/main" val="3121865446"/>
+      </p:ext>
+    </p:extLst>
+  </p:cSld>
+  <p:clrMapOvr>
+    <a:masterClrMapping/>
+  </p:clrMapOvr>
+</p:sld>
+</file>
+
+<file path=ppt/slides/slide11.xml><?xml version="1.0" encoding="utf-8"?>
+<p:sld xmlns:a="http://schemas.openxmlformats.org/drawingml/2006/main" xmlns:r="http://schemas.openxmlformats.org/officeDocument/2006/relationships" xmlns:p="http://schemas.openxmlformats.org/presentationml/2006/main">
+  <p:cSld>
+    <p:spTree>
+      <p:nvGrpSpPr>
+        <p:cNvPr id="1" name="">
+          <a:extLst>
+            <a:ext uri="{FF2B5EF4-FFF2-40B4-BE49-F238E27FC236}">
               <a16:creationId xmlns:a16="http://schemas.microsoft.com/office/drawing/2014/main" id="{EC554056-3A50-B258-85E8-BE4DDE6BF3EB}"/>
             </a:ext>
           </a:extLst>
@@ -18043,7 +19154,7 @@
             <a:fld id="{48F63A3B-78C7-47BE-AE5E-E10140E04643}" type="slidenum">
               <a:rPr lang="en-US" smtClean="0"/>
               <a:pPr/>
-              <a:t>10</a:t>
+              <a:t>11</a:t>
             </a:fld>
             <a:endParaRPr lang="en-US" dirty="0"/>
           </a:p>
@@ -18091,7 +19202,7 @@
 </p:sld>
 </file>
 
-<file path=ppt/slides/slide11.xml><?xml version="1.0" encoding="utf-8"?>
+<file path=ppt/slides/slide12.xml><?xml version="1.0" encoding="utf-8"?>
 <p:sld xmlns:a="http://schemas.openxmlformats.org/drawingml/2006/main" xmlns:r="http://schemas.openxmlformats.org/officeDocument/2006/relationships" xmlns:p="http://schemas.openxmlformats.org/presentationml/2006/main">
   <p:cSld>
     <p:spTree>
@@ -18176,7 +19287,7 @@
             <a:fld id="{48F63A3B-78C7-47BE-AE5E-E10140E04643}" type="slidenum">
               <a:rPr lang="en-US" smtClean="0"/>
               <a:pPr/>
-              <a:t>11</a:t>
+              <a:t>12</a:t>
             </a:fld>
             <a:endParaRPr lang="en-US" dirty="0"/>
           </a:p>
@@ -18306,7 +19417,7 @@
 </p:sld>
 </file>
 
-<file path=ppt/slides/slide12.xml><?xml version="1.0" encoding="utf-8"?>
+<file path=ppt/slides/slide13.xml><?xml version="1.0" encoding="utf-8"?>
 <p:sld xmlns:a="http://schemas.openxmlformats.org/drawingml/2006/main" xmlns:r="http://schemas.openxmlformats.org/officeDocument/2006/relationships" xmlns:p="http://schemas.openxmlformats.org/presentationml/2006/main">
   <p:cSld>
     <p:spTree>
@@ -18419,8 +19530,8 @@
         </p:nvSpPr>
         <p:spPr bwMode="auto">
           <a:xfrm rot="10800000" flipV="1">
-            <a:off x="501443" y="1271495"/>
-            <a:ext cx="8160775" cy="4801314"/>
+            <a:off x="501443" y="1132996"/>
+            <a:ext cx="8160775" cy="5078313"/>
           </a:xfrm>
           <a:prstGeom prst="rect">
             <a:avLst/>
@@ -18975,20 +20086,23 @@
               </a:spcAft>
               <a:buClrTx/>
               <a:buSzTx/>
-              <a:buFont typeface="Arial" panose="020B0604020202020204" pitchFamily="34" charset="0"/>
-              <a:buChar char="•"/>
+              <a:buFont typeface="Wingdings" panose="05000000000000000000" pitchFamily="2" charset="2"/>
+              <a:buChar char="Ø"/>
               <a:tabLst/>
             </a:pPr>
-            <a:endParaRPr kumimoji="0" lang="en-US" altLang="en-US" sz="1800" b="0" i="0" u="none" strike="noStrike" cap="none" normalizeH="0" baseline="0" dirty="0">
-              <a:ln>
-                <a:noFill/>
-              </a:ln>
-              <a:solidFill>
-                <a:schemeClr val="tx1"/>
-              </a:solidFill>
-              <a:effectLst/>
-              <a:latin typeface="Arial" panose="020B0604020202020204" pitchFamily="34" charset="0"/>
-            </a:endParaRPr>
+            <a:r>
+              <a:rPr kumimoji="0" lang="en-US" altLang="en-US" sz="1800" b="0" i="0" u="none" strike="noStrike" cap="none" normalizeH="0" baseline="0" dirty="0">
+                <a:ln>
+                  <a:noFill/>
+                </a:ln>
+                <a:solidFill>
+                  <a:schemeClr val="accent6"/>
+                </a:solidFill>
+                <a:effectLst/>
+                <a:latin typeface="Arial" panose="020B0604020202020204" pitchFamily="34" charset="0"/>
+              </a:rPr>
+              <a:t>From all this I get good hand on Finding bugs and writing test cases &amp; automation scripts.</a:t>
+            </a:r>
           </a:p>
           <a:p>
             <a:pPr marR="0" lvl="0" algn="l" defTabSz="914400" rtl="0" eaLnBrk="0" fontAlgn="base" latinLnBrk="0" hangingPunct="0">
@@ -19031,7 +20145,7 @@
 </p:sld>
 </file>
 
-<file path=ppt/slides/slide13.xml><?xml version="1.0" encoding="utf-8"?>
+<file path=ppt/slides/slide14.xml><?xml version="1.0" encoding="utf-8"?>
 <p:sld xmlns:a="http://schemas.openxmlformats.org/drawingml/2006/main" xmlns:r="http://schemas.openxmlformats.org/officeDocument/2006/relationships" xmlns:p="http://schemas.openxmlformats.org/presentationml/2006/main">
   <p:cSld>
     <p:spTree>
@@ -20067,6 +21181,114 @@
 </file>
 
 <file path=ppt/slides/slide7.xml><?xml version="1.0" encoding="utf-8"?>
+<p:sld xmlns:a="http://schemas.openxmlformats.org/drawingml/2006/main" xmlns:r="http://schemas.openxmlformats.org/officeDocument/2006/relationships" xmlns:p="http://schemas.openxmlformats.org/presentationml/2006/main">
+  <p:cSld>
+    <p:spTree>
+      <p:nvGrpSpPr>
+        <p:cNvPr id="1" name="">
+          <a:extLst>
+            <a:ext uri="{FF2B5EF4-FFF2-40B4-BE49-F238E27FC236}">
+              <a16:creationId xmlns:a16="http://schemas.microsoft.com/office/drawing/2014/main" id="{9FE13B1C-D9D0-47C5-C059-F5DB395309C3}"/>
+            </a:ext>
+          </a:extLst>
+        </p:cNvPr>
+        <p:cNvGrpSpPr/>
+        <p:nvPr/>
+      </p:nvGrpSpPr>
+      <p:grpSpPr>
+        <a:xfrm>
+          <a:off x="0" y="0"/>
+          <a:ext cx="0" cy="0"/>
+          <a:chOff x="0" y="0"/>
+          <a:chExt cx="0" cy="0"/>
+        </a:xfrm>
+      </p:grpSpPr>
+      <p:sp>
+        <p:nvSpPr>
+          <p:cNvPr id="2" name="Title 1">
+            <a:extLst>
+              <a:ext uri="{FF2B5EF4-FFF2-40B4-BE49-F238E27FC236}">
+                <a16:creationId xmlns:a16="http://schemas.microsoft.com/office/drawing/2014/main" id="{923EE36A-9197-6B2D-209E-F3325538A74A}"/>
+              </a:ext>
+            </a:extLst>
+          </p:cNvPr>
+          <p:cNvSpPr>
+            <a:spLocks noGrp="1"/>
+          </p:cNvSpPr>
+          <p:nvPr>
+            <p:ph type="ctrTitle"/>
+          </p:nvPr>
+        </p:nvSpPr>
+        <p:spPr>
+          <a:xfrm>
+            <a:off x="914401" y="849782"/>
+            <a:ext cx="5715000" cy="1480463"/>
+          </a:xfrm>
+        </p:spPr>
+        <p:txBody>
+          <a:bodyPr/>
+          <a:lstStyle/>
+          <a:p>
+            <a:r>
+              <a:rPr lang="en-US" dirty="0"/>
+              <a:t>Defects</a:t>
+            </a:r>
+          </a:p>
+        </p:txBody>
+      </p:sp>
+      <p:sp>
+        <p:nvSpPr>
+          <p:cNvPr id="3" name="Subtitle 2">
+            <a:extLst>
+              <a:ext uri="{FF2B5EF4-FFF2-40B4-BE49-F238E27FC236}">
+                <a16:creationId xmlns:a16="http://schemas.microsoft.com/office/drawing/2014/main" id="{8A67F7E9-8DD7-16C3-FB91-BC32E67AD323}"/>
+              </a:ext>
+            </a:extLst>
+          </p:cNvPr>
+          <p:cNvSpPr>
+            <a:spLocks noGrp="1"/>
+          </p:cNvSpPr>
+          <p:nvPr>
+            <p:ph type="subTitle" idx="1"/>
+          </p:nvPr>
+        </p:nvSpPr>
+        <p:spPr>
+          <a:xfrm>
+            <a:off x="914401" y="2615381"/>
+            <a:ext cx="5715000" cy="3432867"/>
+          </a:xfrm>
+        </p:spPr>
+        <p:txBody>
+          <a:bodyPr/>
+          <a:lstStyle/>
+          <a:p>
+            <a:r>
+              <a:rPr lang="en-US" dirty="0"/>
+              <a:t>While Running  a testcase at certain point some fields are not working as it is expected which is called as Defect.</a:t>
+            </a:r>
+          </a:p>
+          <a:p>
+            <a:r>
+              <a:rPr lang="en-US" dirty="0"/>
+              <a:t>I have created a defect report on two defects.</a:t>
+            </a:r>
+          </a:p>
+        </p:txBody>
+      </p:sp>
+    </p:spTree>
+    <p:extLst>
+      <p:ext uri="{BB962C8B-B14F-4D97-AF65-F5344CB8AC3E}">
+        <p14:creationId xmlns:p14="http://schemas.microsoft.com/office/powerpoint/2010/main" val="3565846945"/>
+      </p:ext>
+    </p:extLst>
+  </p:cSld>
+  <p:clrMapOvr>
+    <a:masterClrMapping/>
+  </p:clrMapOvr>
+</p:sld>
+</file>
+
+<file path=ppt/slides/slide8.xml><?xml version="1.0" encoding="utf-8"?>
 <p:sld xmlns:a="http://schemas.openxmlformats.org/drawingml/2006/main" xmlns:r="http://schemas.openxmlformats.org/officeDocument/2006/relationships" xmlns:p="http://schemas.openxmlformats.org/presentationml/2006/main">
   <p:cSld>
     <p:spTree>
@@ -20667,7 +21889,7 @@
                 <a:effectLst/>
                 <a:latin typeface="Arial" panose="020B0604020202020204" pitchFamily="34" charset="0"/>
               </a:rPr>
-              <a:t> :- QA TEAM</a:t>
+              <a:t> :- Pragati</a:t>
             </a:r>
           </a:p>
           <a:p>
@@ -20996,7 +22218,7 @@
 </p:sld>
 </file>
 
-<file path=ppt/slides/slide8.xml><?xml version="1.0" encoding="utf-8"?>
+<file path=ppt/slides/slide9.xml><?xml version="1.0" encoding="utf-8"?>
 <p:sld xmlns:a="http://schemas.openxmlformats.org/drawingml/2006/main" xmlns:r="http://schemas.openxmlformats.org/officeDocument/2006/relationships" xmlns:p="http://schemas.openxmlformats.org/presentationml/2006/main">
   <p:cSld>
     <p:spTree>
@@ -21042,7 +22264,7 @@
             <a:fld id="{48F63A3B-78C7-47BE-AE5E-E10140E04643}" type="slidenum">
               <a:rPr lang="en-US" smtClean="0"/>
               <a:pPr/>
-              <a:t>8</a:t>
+              <a:t>9</a:t>
             </a:fld>
             <a:endParaRPr lang="en-US" dirty="0"/>
           </a:p>
@@ -21081,1015 +22303,6 @@
     <p:extLst>
       <p:ext uri="{BB962C8B-B14F-4D97-AF65-F5344CB8AC3E}">
         <p14:creationId xmlns:p14="http://schemas.microsoft.com/office/powerpoint/2010/main" val="1131718056"/>
-      </p:ext>
-    </p:extLst>
-  </p:cSld>
-  <p:clrMapOvr>
-    <a:masterClrMapping/>
-  </p:clrMapOvr>
-</p:sld>
-</file>
-
-<file path=ppt/slides/slide9.xml><?xml version="1.0" encoding="utf-8"?>
-<p:sld xmlns:a="http://schemas.openxmlformats.org/drawingml/2006/main" xmlns:r="http://schemas.openxmlformats.org/officeDocument/2006/relationships" xmlns:p="http://schemas.openxmlformats.org/presentationml/2006/main">
-  <p:cSld>
-    <p:spTree>
-      <p:nvGrpSpPr>
-        <p:cNvPr id="1" name="">
-          <a:extLst>
-            <a:ext uri="{FF2B5EF4-FFF2-40B4-BE49-F238E27FC236}">
-              <a16:creationId xmlns:a16="http://schemas.microsoft.com/office/drawing/2014/main" id="{BCAAD53C-C461-7A6C-436B-B215CFFE3FC9}"/>
-            </a:ext>
-          </a:extLst>
-        </p:cNvPr>
-        <p:cNvGrpSpPr/>
-        <p:nvPr/>
-      </p:nvGrpSpPr>
-      <p:grpSpPr>
-        <a:xfrm>
-          <a:off x="0" y="0"/>
-          <a:ext cx="0" cy="0"/>
-          <a:chOff x="0" y="0"/>
-          <a:chExt cx="0" cy="0"/>
-        </a:xfrm>
-      </p:grpSpPr>
-      <p:sp>
-        <p:nvSpPr>
-          <p:cNvPr id="2" name="Title 1">
-            <a:extLst>
-              <a:ext uri="{FF2B5EF4-FFF2-40B4-BE49-F238E27FC236}">
-                <a16:creationId xmlns:a16="http://schemas.microsoft.com/office/drawing/2014/main" id="{C0A238F9-3F9E-063A-EC8F-A2452EF0B49B}"/>
-              </a:ext>
-            </a:extLst>
-          </p:cNvPr>
-          <p:cNvSpPr>
-            <a:spLocks noGrp="1"/>
-          </p:cNvSpPr>
-          <p:nvPr>
-            <p:ph type="title"/>
-          </p:nvPr>
-        </p:nvSpPr>
-        <p:spPr>
-          <a:xfrm>
-            <a:off x="433111" y="410780"/>
-            <a:ext cx="7137728" cy="759259"/>
-          </a:xfrm>
-        </p:spPr>
-        <p:txBody>
-          <a:bodyPr/>
-          <a:lstStyle/>
-          <a:p>
-            <a:r>
-              <a:rPr lang="en-US" dirty="0"/>
-              <a:t>Defect identifier </a:t>
-            </a:r>
-            <a:r>
-              <a:rPr lang="en-IN" dirty="0"/>
-              <a:t>B_002</a:t>
-            </a:r>
-            <a:endParaRPr lang="en-US" dirty="0"/>
-          </a:p>
-        </p:txBody>
-      </p:sp>
-      <p:sp>
-        <p:nvSpPr>
-          <p:cNvPr id="3" name="Text Placeholder 2">
-            <a:extLst>
-              <a:ext uri="{FF2B5EF4-FFF2-40B4-BE49-F238E27FC236}">
-                <a16:creationId xmlns:a16="http://schemas.microsoft.com/office/drawing/2014/main" id="{D4178C17-2337-5EFA-5A86-E835D9EDFB81}"/>
-              </a:ext>
-            </a:extLst>
-          </p:cNvPr>
-          <p:cNvSpPr>
-            <a:spLocks noGrp="1"/>
-          </p:cNvSpPr>
-          <p:nvPr>
-            <p:ph idx="1"/>
-          </p:nvPr>
-        </p:nvSpPr>
-        <p:spPr>
-          <a:xfrm>
-            <a:off x="433111" y="1307690"/>
-            <a:ext cx="8365449" cy="5550310"/>
-          </a:xfrm>
-        </p:spPr>
-        <p:txBody>
-          <a:bodyPr>
-            <a:normAutofit/>
-          </a:bodyPr>
-          <a:lstStyle/>
-          <a:p>
-            <a:endParaRPr lang="en-US" sz="1800" b="1" dirty="0"/>
-          </a:p>
-          <a:p>
-            <a:endParaRPr lang="en-US" sz="1800" b="1" dirty="0"/>
-          </a:p>
-        </p:txBody>
-      </p:sp>
-      <p:sp>
-        <p:nvSpPr>
-          <p:cNvPr id="4" name="Rectangle 1">
-            <a:extLst>
-              <a:ext uri="{FF2B5EF4-FFF2-40B4-BE49-F238E27FC236}">
-                <a16:creationId xmlns:a16="http://schemas.microsoft.com/office/drawing/2014/main" id="{9DBB586B-475C-FD1F-4D64-120B39030F73}"/>
-              </a:ext>
-            </a:extLst>
-          </p:cNvPr>
-          <p:cNvSpPr>
-            <a:spLocks noChangeArrowheads="1"/>
-          </p:cNvSpPr>
-          <p:nvPr/>
-        </p:nvSpPr>
-        <p:spPr bwMode="auto">
-          <a:xfrm>
-            <a:off x="1966452" y="1202160"/>
-            <a:ext cx="11177980" cy="369332"/>
-          </a:xfrm>
-          <a:prstGeom prst="rect">
-            <a:avLst/>
-          </a:prstGeom>
-          <a:noFill/>
-          <a:ln>
-            <a:noFill/>
-          </a:ln>
-          <a:effectLst/>
-          <a:extLst>
-            <a:ext uri="{909E8E84-426E-40DD-AFC4-6F175D3DCCD1}">
-              <a14:hiddenFill xmlns:a14="http://schemas.microsoft.com/office/drawing/2010/main">
-                <a:solidFill>
-                  <a:schemeClr val="accent1"/>
-                </a:solidFill>
-              </a14:hiddenFill>
-            </a:ext>
-            <a:ext uri="{91240B29-F687-4F45-9708-019B960494DF}">
-              <a14:hiddenLine xmlns:a14="http://schemas.microsoft.com/office/drawing/2010/main" w="9525">
-                <a:solidFill>
-                  <a:schemeClr val="tx1"/>
-                </a:solidFill>
-                <a:miter lim="800000"/>
-                <a:headEnd/>
-                <a:tailEnd/>
-              </a14:hiddenLine>
-            </a:ext>
-            <a:ext uri="{AF507438-7753-43E0-B8FC-AC1667EBCBE1}">
-              <a14:hiddenEffects xmlns:a14="http://schemas.microsoft.com/office/drawing/2010/main">
-                <a:effectLst>
-                  <a:outerShdw dist="35921" dir="2700000" algn="ctr" rotWithShape="0">
-                    <a:schemeClr val="bg2"/>
-                  </a:outerShdw>
-                </a:effectLst>
-              </a14:hiddenEffects>
-            </a:ext>
-          </a:extLst>
-        </p:spPr>
-        <p:txBody>
-          <a:bodyPr vert="horz" wrap="square" lIns="91440" tIns="45720" rIns="91440" bIns="45720" numCol="1" anchor="ctr" anchorCtr="0" compatLnSpc="1">
-            <a:prstTxWarp prst="textNoShape">
-              <a:avLst/>
-            </a:prstTxWarp>
-            <a:spAutoFit/>
-          </a:bodyPr>
-          <a:lstStyle/>
-          <a:p>
-            <a:pPr marL="0" marR="0" lvl="0" indent="0" algn="l" defTabSz="914400" rtl="0" eaLnBrk="0" fontAlgn="base" latinLnBrk="0" hangingPunct="0">
-              <a:lnSpc>
-                <a:spcPct val="100000"/>
-              </a:lnSpc>
-              <a:spcBef>
-                <a:spcPct val="0"/>
-              </a:spcBef>
-              <a:spcAft>
-                <a:spcPct val="0"/>
-              </a:spcAft>
-              <a:buClrTx/>
-              <a:buSzTx/>
-              <a:tabLst/>
-            </a:pPr>
-            <a:endParaRPr kumimoji="0" lang="en-US" altLang="en-US" sz="1800" b="0" i="0" u="none" strike="noStrike" cap="none" normalizeH="0" baseline="0" dirty="0">
-              <a:ln>
-                <a:noFill/>
-              </a:ln>
-              <a:solidFill>
-                <a:schemeClr val="tx1"/>
-              </a:solidFill>
-              <a:effectLst/>
-              <a:latin typeface="Arial" panose="020B0604020202020204" pitchFamily="34" charset="0"/>
-            </a:endParaRPr>
-          </a:p>
-        </p:txBody>
-      </p:sp>
-      <p:sp>
-        <p:nvSpPr>
-          <p:cNvPr id="8" name="Rectangle 4">
-            <a:extLst>
-              <a:ext uri="{FF2B5EF4-FFF2-40B4-BE49-F238E27FC236}">
-                <a16:creationId xmlns:a16="http://schemas.microsoft.com/office/drawing/2014/main" id="{B176ED07-32CE-2380-E594-2F339528F2CA}"/>
-              </a:ext>
-            </a:extLst>
-          </p:cNvPr>
-          <p:cNvSpPr>
-            <a:spLocks noChangeArrowheads="1"/>
-          </p:cNvSpPr>
-          <p:nvPr/>
-        </p:nvSpPr>
-        <p:spPr bwMode="auto">
-          <a:xfrm rot="10800000" flipV="1">
-            <a:off x="433110" y="1213715"/>
-            <a:ext cx="8238941" cy="4524315"/>
-          </a:xfrm>
-          <a:prstGeom prst="rect">
-            <a:avLst/>
-          </a:prstGeom>
-          <a:noFill/>
-          <a:ln>
-            <a:noFill/>
-          </a:ln>
-          <a:effectLst/>
-          <a:extLst>
-            <a:ext uri="{909E8E84-426E-40DD-AFC4-6F175D3DCCD1}">
-              <a14:hiddenFill xmlns:a14="http://schemas.microsoft.com/office/drawing/2010/main">
-                <a:solidFill>
-                  <a:schemeClr val="accent1"/>
-                </a:solidFill>
-              </a14:hiddenFill>
-            </a:ext>
-            <a:ext uri="{91240B29-F687-4F45-9708-019B960494DF}">
-              <a14:hiddenLine xmlns:a14="http://schemas.microsoft.com/office/drawing/2010/main" w="9525">
-                <a:solidFill>
-                  <a:schemeClr val="tx1"/>
-                </a:solidFill>
-                <a:miter lim="800000"/>
-                <a:headEnd/>
-                <a:tailEnd/>
-              </a14:hiddenLine>
-            </a:ext>
-            <a:ext uri="{AF507438-7753-43E0-B8FC-AC1667EBCBE1}">
-              <a14:hiddenEffects xmlns:a14="http://schemas.microsoft.com/office/drawing/2010/main">
-                <a:effectLst>
-                  <a:outerShdw dist="35921" dir="2700000" algn="ctr" rotWithShape="0">
-                    <a:schemeClr val="bg2"/>
-                  </a:outerShdw>
-                </a:effectLst>
-              </a14:hiddenEffects>
-            </a:ext>
-          </a:extLst>
-        </p:spPr>
-        <p:txBody>
-          <a:bodyPr vert="horz" wrap="square" lIns="91440" tIns="45720" rIns="91440" bIns="45720" numCol="1" anchor="ctr" anchorCtr="0" compatLnSpc="1">
-            <a:prstTxWarp prst="textNoShape">
-              <a:avLst/>
-            </a:prstTxWarp>
-            <a:spAutoFit/>
-          </a:bodyPr>
-          <a:lstStyle/>
-          <a:p>
-            <a:pPr lvl="0" defTabSz="914400" eaLnBrk="0" fontAlgn="base" hangingPunct="0">
-              <a:spcBef>
-                <a:spcPct val="0"/>
-              </a:spcBef>
-              <a:spcAft>
-                <a:spcPct val="0"/>
-              </a:spcAft>
-              <a:buFontTx/>
-              <a:buChar char="•"/>
-            </a:pPr>
-            <a:r>
-              <a:rPr kumimoji="0" lang="en-US" altLang="en-US" sz="1800" b="1" i="0" u="none" strike="noStrike" cap="none" normalizeH="0" baseline="0" dirty="0">
-                <a:ln>
-                  <a:noFill/>
-                </a:ln>
-                <a:solidFill>
-                  <a:schemeClr val="accent6"/>
-                </a:solidFill>
-                <a:effectLst/>
-                <a:latin typeface="Arial" panose="020B0604020202020204" pitchFamily="34" charset="0"/>
-              </a:rPr>
-              <a:t>DEFECT SUMMARY</a:t>
-            </a:r>
-            <a:r>
-              <a:rPr kumimoji="0" lang="en-US" altLang="en-US" sz="1800" b="0" i="0" u="none" strike="noStrike" cap="none" normalizeH="0" baseline="0" dirty="0">
-                <a:ln>
-                  <a:noFill/>
-                </a:ln>
-                <a:solidFill>
-                  <a:schemeClr val="accent6"/>
-                </a:solidFill>
-                <a:effectLst/>
-                <a:latin typeface="Arial" panose="020B0604020202020204" pitchFamily="34" charset="0"/>
-              </a:rPr>
-              <a:t> :- </a:t>
-            </a:r>
-            <a:r>
-              <a:rPr lang="en-IN" dirty="0">
-                <a:solidFill>
-                  <a:schemeClr val="accent6"/>
-                </a:solidFill>
-              </a:rPr>
-              <a:t>Clicking on some categories of motors displaying an error message like </a:t>
-            </a:r>
-            <a:r>
-              <a:rPr lang="en-US" dirty="0">
-                <a:solidFill>
-                  <a:schemeClr val="accent6"/>
-                </a:solidFill>
-              </a:rPr>
-              <a:t>0 results found. Try </a:t>
-            </a:r>
-            <a:r>
-              <a:rPr lang="en-US" b="1" dirty="0">
-                <a:solidFill>
-                  <a:schemeClr val="accent6"/>
-                </a:solidFill>
-                <a:hlinkClick r:id="rId3">
-                  <a:extLst>
-                    <a:ext uri="{A12FA001-AC4F-418D-AE19-62706E023703}">
-                      <ahyp:hlinkClr xmlns:ahyp="http://schemas.microsoft.com/office/drawing/2018/hyperlinkcolor" val="tx"/>
-                    </a:ext>
-                  </a:extLst>
-                </a:hlinkClick>
-              </a:rPr>
-              <a:t>Cars &amp; Trucks</a:t>
-            </a:r>
-            <a:r>
-              <a:rPr lang="en-US" dirty="0">
-                <a:solidFill>
-                  <a:schemeClr val="accent6"/>
-                </a:solidFill>
-              </a:rPr>
-              <a:t> or removing some filters to see more results even it is listing the related products.</a:t>
-            </a:r>
-            <a:endParaRPr kumimoji="0" lang="en-US" altLang="en-US" sz="1800" b="0" i="0" u="none" strike="noStrike" cap="none" normalizeH="0" baseline="0" dirty="0">
-              <a:ln>
-                <a:noFill/>
-              </a:ln>
-              <a:solidFill>
-                <a:schemeClr val="accent6"/>
-              </a:solidFill>
-              <a:effectLst/>
-              <a:latin typeface="Arial" panose="020B0604020202020204" pitchFamily="34" charset="0"/>
-            </a:endParaRPr>
-          </a:p>
-          <a:p>
-            <a:pPr marL="0" marR="0" lvl="0" indent="0" algn="l" defTabSz="914400" rtl="0" eaLnBrk="0" fontAlgn="base" latinLnBrk="0" hangingPunct="0">
-              <a:lnSpc>
-                <a:spcPct val="100000"/>
-              </a:lnSpc>
-              <a:spcBef>
-                <a:spcPct val="0"/>
-              </a:spcBef>
-              <a:spcAft>
-                <a:spcPct val="0"/>
-              </a:spcAft>
-              <a:buClrTx/>
-              <a:buSzTx/>
-              <a:buFontTx/>
-              <a:buChar char="•"/>
-              <a:tabLst/>
-            </a:pPr>
-            <a:r>
-              <a:rPr kumimoji="0" lang="en-US" altLang="en-US" sz="1800" b="1" i="0" u="none" strike="noStrike" cap="none" normalizeH="0" baseline="0" dirty="0">
-                <a:ln>
-                  <a:noFill/>
-                </a:ln>
-                <a:solidFill>
-                  <a:schemeClr val="accent6"/>
-                </a:solidFill>
-                <a:effectLst/>
-                <a:latin typeface="Arial" panose="020B0604020202020204" pitchFamily="34" charset="0"/>
-              </a:rPr>
-              <a:t>TEST ID</a:t>
-            </a:r>
-            <a:r>
-              <a:rPr kumimoji="0" lang="en-US" altLang="en-US" sz="1800" b="0" i="0" u="none" strike="noStrike" cap="none" normalizeH="0" baseline="0" dirty="0">
-                <a:ln>
-                  <a:noFill/>
-                </a:ln>
-                <a:solidFill>
-                  <a:schemeClr val="accent6"/>
-                </a:solidFill>
-                <a:effectLst/>
-                <a:latin typeface="Arial" panose="020B0604020202020204" pitchFamily="34" charset="0"/>
-              </a:rPr>
-              <a:t> :- TC_021</a:t>
-            </a:r>
-          </a:p>
-          <a:p>
-            <a:pPr lvl="0" defTabSz="914400" eaLnBrk="0" fontAlgn="base" hangingPunct="0">
-              <a:spcBef>
-                <a:spcPct val="0"/>
-              </a:spcBef>
-              <a:spcAft>
-                <a:spcPct val="0"/>
-              </a:spcAft>
-              <a:buFontTx/>
-              <a:buChar char="•"/>
-            </a:pPr>
-            <a:r>
-              <a:rPr kumimoji="0" lang="en-US" altLang="en-US" sz="1800" b="1" i="0" u="none" strike="noStrike" cap="none" normalizeH="0" baseline="0" dirty="0">
-                <a:ln>
-                  <a:noFill/>
-                </a:ln>
-                <a:solidFill>
-                  <a:schemeClr val="accent6"/>
-                </a:solidFill>
-                <a:effectLst/>
-                <a:latin typeface="Arial" panose="020B0604020202020204" pitchFamily="34" charset="0"/>
-              </a:rPr>
-              <a:t>TEST CASE NAME</a:t>
-            </a:r>
-            <a:r>
-              <a:rPr kumimoji="0" lang="en-US" altLang="en-US" sz="1800" b="0" i="0" u="none" strike="noStrike" cap="none" normalizeH="0" baseline="0" dirty="0">
-                <a:ln>
-                  <a:noFill/>
-                </a:ln>
-                <a:solidFill>
-                  <a:schemeClr val="accent6"/>
-                </a:solidFill>
-                <a:effectLst/>
-                <a:latin typeface="Arial" panose="020B0604020202020204" pitchFamily="34" charset="0"/>
-              </a:rPr>
-              <a:t> :- </a:t>
-            </a:r>
-            <a:r>
-              <a:rPr lang="en-IN" dirty="0">
-                <a:solidFill>
-                  <a:schemeClr val="accent6"/>
-                </a:solidFill>
-              </a:rPr>
-              <a:t>TC_SHOP_BY_CATEGORY</a:t>
-            </a:r>
-            <a:endParaRPr kumimoji="0" lang="en-US" altLang="en-US" sz="1800" b="0" i="0" u="none" strike="noStrike" cap="none" normalizeH="0" baseline="0" dirty="0">
-              <a:ln>
-                <a:noFill/>
-              </a:ln>
-              <a:solidFill>
-                <a:schemeClr val="accent6"/>
-              </a:solidFill>
-              <a:effectLst/>
-              <a:latin typeface="Arial" panose="020B0604020202020204" pitchFamily="34" charset="0"/>
-            </a:endParaRPr>
-          </a:p>
-          <a:p>
-            <a:pPr lvl="0" defTabSz="914400" eaLnBrk="0" fontAlgn="base" hangingPunct="0">
-              <a:spcBef>
-                <a:spcPct val="0"/>
-              </a:spcBef>
-              <a:spcAft>
-                <a:spcPct val="0"/>
-              </a:spcAft>
-              <a:buFontTx/>
-              <a:buChar char="•"/>
-            </a:pPr>
-            <a:r>
-              <a:rPr kumimoji="0" lang="en-US" altLang="en-US" sz="1800" b="1" i="0" u="none" strike="noStrike" cap="none" normalizeH="0" baseline="0" dirty="0">
-                <a:ln>
-                  <a:noFill/>
-                </a:ln>
-                <a:solidFill>
-                  <a:schemeClr val="accent6"/>
-                </a:solidFill>
-                <a:effectLst/>
-                <a:latin typeface="Arial" panose="020B0604020202020204" pitchFamily="34" charset="0"/>
-              </a:rPr>
-              <a:t>MODULE NAME</a:t>
-            </a:r>
-            <a:r>
-              <a:rPr kumimoji="0" lang="en-US" altLang="en-US" sz="1800" b="0" i="0" u="none" strike="noStrike" cap="none" normalizeH="0" baseline="0" dirty="0">
-                <a:ln>
-                  <a:noFill/>
-                </a:ln>
-                <a:solidFill>
-                  <a:schemeClr val="accent6"/>
-                </a:solidFill>
-                <a:effectLst/>
-                <a:latin typeface="Arial" panose="020B0604020202020204" pitchFamily="34" charset="0"/>
-              </a:rPr>
-              <a:t> :- </a:t>
-            </a:r>
-            <a:r>
-              <a:rPr lang="en-IN" dirty="0">
-                <a:solidFill>
-                  <a:schemeClr val="accent6"/>
-                </a:solidFill>
-              </a:rPr>
-              <a:t>SHOP BY CATEGORIES</a:t>
-            </a:r>
-            <a:endParaRPr kumimoji="0" lang="en-US" altLang="en-US" sz="1800" b="0" i="0" u="none" strike="noStrike" cap="none" normalizeH="0" baseline="0" dirty="0">
-              <a:ln>
-                <a:noFill/>
-              </a:ln>
-              <a:solidFill>
-                <a:schemeClr val="accent6"/>
-              </a:solidFill>
-              <a:effectLst/>
-              <a:latin typeface="Arial" panose="020B0604020202020204" pitchFamily="34" charset="0"/>
-            </a:endParaRPr>
-          </a:p>
-          <a:p>
-            <a:pPr marL="0" marR="0" lvl="0" indent="0" algn="l" defTabSz="914400" rtl="0" eaLnBrk="0" fontAlgn="base" latinLnBrk="0" hangingPunct="0">
-              <a:lnSpc>
-                <a:spcPct val="100000"/>
-              </a:lnSpc>
-              <a:spcBef>
-                <a:spcPct val="0"/>
-              </a:spcBef>
-              <a:spcAft>
-                <a:spcPct val="0"/>
-              </a:spcAft>
-              <a:buClrTx/>
-              <a:buSzTx/>
-              <a:buFontTx/>
-              <a:buChar char="•"/>
-              <a:tabLst/>
-            </a:pPr>
-            <a:r>
-              <a:rPr kumimoji="0" lang="en-US" altLang="en-US" sz="1800" b="1" i="0" u="none" strike="noStrike" cap="none" normalizeH="0" baseline="0" dirty="0">
-                <a:ln>
-                  <a:noFill/>
-                </a:ln>
-                <a:solidFill>
-                  <a:schemeClr val="accent6"/>
-                </a:solidFill>
-                <a:effectLst/>
-                <a:latin typeface="Arial" panose="020B0604020202020204" pitchFamily="34" charset="0"/>
-              </a:rPr>
-              <a:t>REPRODUCIBLE</a:t>
-            </a:r>
-            <a:r>
-              <a:rPr kumimoji="0" lang="en-US" altLang="en-US" sz="1800" b="0" i="0" u="none" strike="noStrike" cap="none" normalizeH="0" baseline="0" dirty="0">
-                <a:ln>
-                  <a:noFill/>
-                </a:ln>
-                <a:solidFill>
-                  <a:schemeClr val="accent6"/>
-                </a:solidFill>
-                <a:effectLst/>
-                <a:latin typeface="Arial" panose="020B0604020202020204" pitchFamily="34" charset="0"/>
-              </a:rPr>
-              <a:t> :- YES</a:t>
-            </a:r>
-          </a:p>
-          <a:p>
-            <a:pPr marL="0" marR="0" lvl="0" indent="0" algn="l" defTabSz="914400" rtl="0" eaLnBrk="0" fontAlgn="base" latinLnBrk="0" hangingPunct="0">
-              <a:lnSpc>
-                <a:spcPct val="100000"/>
-              </a:lnSpc>
-              <a:spcBef>
-                <a:spcPct val="0"/>
-              </a:spcBef>
-              <a:spcAft>
-                <a:spcPct val="0"/>
-              </a:spcAft>
-              <a:buClrTx/>
-              <a:buSzTx/>
-              <a:buFontTx/>
-              <a:buChar char="•"/>
-              <a:tabLst/>
-            </a:pPr>
-            <a:r>
-              <a:rPr kumimoji="0" lang="en-US" altLang="en-US" sz="1800" b="1" i="0" u="none" strike="noStrike" cap="none" normalizeH="0" baseline="0" dirty="0">
-                <a:ln>
-                  <a:noFill/>
-                </a:ln>
-                <a:solidFill>
-                  <a:schemeClr val="accent6"/>
-                </a:solidFill>
-                <a:effectLst/>
-                <a:latin typeface="Arial" panose="020B0604020202020204" pitchFamily="34" charset="0"/>
-              </a:rPr>
-              <a:t>SEVERITY</a:t>
-            </a:r>
-            <a:r>
-              <a:rPr kumimoji="0" lang="en-US" altLang="en-US" sz="1800" b="0" i="0" u="none" strike="noStrike" cap="none" normalizeH="0" baseline="0" dirty="0">
-                <a:ln>
-                  <a:noFill/>
-                </a:ln>
-                <a:solidFill>
-                  <a:schemeClr val="accent6"/>
-                </a:solidFill>
-                <a:effectLst/>
-                <a:latin typeface="Arial" panose="020B0604020202020204" pitchFamily="34" charset="0"/>
-              </a:rPr>
-              <a:t> :- HIGH</a:t>
-            </a:r>
-          </a:p>
-          <a:p>
-            <a:pPr marL="0" marR="0" lvl="0" indent="0" algn="l" defTabSz="914400" rtl="0" eaLnBrk="0" fontAlgn="base" latinLnBrk="0" hangingPunct="0">
-              <a:lnSpc>
-                <a:spcPct val="100000"/>
-              </a:lnSpc>
-              <a:spcBef>
-                <a:spcPct val="0"/>
-              </a:spcBef>
-              <a:spcAft>
-                <a:spcPct val="0"/>
-              </a:spcAft>
-              <a:buClrTx/>
-              <a:buSzTx/>
-              <a:buFontTx/>
-              <a:buChar char="•"/>
-              <a:tabLst/>
-            </a:pPr>
-            <a:r>
-              <a:rPr kumimoji="0" lang="en-US" altLang="en-US" sz="1800" b="1" i="0" u="none" strike="noStrike" cap="none" normalizeH="0" baseline="0" dirty="0">
-                <a:ln>
-                  <a:noFill/>
-                </a:ln>
-                <a:solidFill>
-                  <a:schemeClr val="accent6"/>
-                </a:solidFill>
-                <a:effectLst/>
-                <a:latin typeface="Arial" panose="020B0604020202020204" pitchFamily="34" charset="0"/>
-              </a:rPr>
-              <a:t>PRIORITY</a:t>
-            </a:r>
-            <a:r>
-              <a:rPr kumimoji="0" lang="en-US" altLang="en-US" sz="1800" b="0" i="0" u="none" strike="noStrike" cap="none" normalizeH="0" baseline="0" dirty="0">
-                <a:ln>
-                  <a:noFill/>
-                </a:ln>
-                <a:solidFill>
-                  <a:schemeClr val="accent6"/>
-                </a:solidFill>
-                <a:effectLst/>
-                <a:latin typeface="Arial" panose="020B0604020202020204" pitchFamily="34" charset="0"/>
-              </a:rPr>
-              <a:t> :- HIGH</a:t>
-            </a:r>
-          </a:p>
-          <a:p>
-            <a:pPr marL="0" marR="0" lvl="0" indent="0" algn="l" defTabSz="914400" rtl="0" eaLnBrk="0" fontAlgn="base" latinLnBrk="0" hangingPunct="0">
-              <a:lnSpc>
-                <a:spcPct val="100000"/>
-              </a:lnSpc>
-              <a:spcBef>
-                <a:spcPct val="0"/>
-              </a:spcBef>
-              <a:spcAft>
-                <a:spcPct val="0"/>
-              </a:spcAft>
-              <a:buClrTx/>
-              <a:buSzTx/>
-              <a:buFontTx/>
-              <a:buChar char="•"/>
-              <a:tabLst/>
-            </a:pPr>
-            <a:r>
-              <a:rPr kumimoji="0" lang="en-US" altLang="en-US" sz="1800" b="1" i="0" u="none" strike="noStrike" cap="none" normalizeH="0" baseline="0" dirty="0">
-                <a:ln>
-                  <a:noFill/>
-                </a:ln>
-                <a:solidFill>
-                  <a:schemeClr val="accent6"/>
-                </a:solidFill>
-                <a:effectLst/>
-                <a:latin typeface="Arial" panose="020B0604020202020204" pitchFamily="34" charset="0"/>
-              </a:rPr>
-              <a:t>RAISED BY</a:t>
-            </a:r>
-            <a:r>
-              <a:rPr kumimoji="0" lang="en-US" altLang="en-US" sz="1800" b="0" i="0" u="none" strike="noStrike" cap="none" normalizeH="0" baseline="0" dirty="0">
-                <a:ln>
-                  <a:noFill/>
-                </a:ln>
-                <a:solidFill>
-                  <a:schemeClr val="accent6"/>
-                </a:solidFill>
-                <a:effectLst/>
-                <a:latin typeface="Arial" panose="020B0604020202020204" pitchFamily="34" charset="0"/>
-              </a:rPr>
-              <a:t> :- QA TEAM</a:t>
-            </a:r>
-          </a:p>
-          <a:p>
-            <a:pPr marL="0" marR="0" lvl="0" indent="0" algn="l" defTabSz="914400" rtl="0" eaLnBrk="0" fontAlgn="base" latinLnBrk="0" hangingPunct="0">
-              <a:lnSpc>
-                <a:spcPct val="100000"/>
-              </a:lnSpc>
-              <a:spcBef>
-                <a:spcPct val="0"/>
-              </a:spcBef>
-              <a:spcAft>
-                <a:spcPct val="0"/>
-              </a:spcAft>
-              <a:buClrTx/>
-              <a:buSzTx/>
-              <a:buFontTx/>
-              <a:buChar char="•"/>
-              <a:tabLst/>
-            </a:pPr>
-            <a:r>
-              <a:rPr kumimoji="0" lang="en-US" altLang="en-US" sz="1800" b="1" i="0" u="none" strike="noStrike" cap="none" normalizeH="0" baseline="0" dirty="0">
-                <a:ln>
-                  <a:noFill/>
-                </a:ln>
-                <a:solidFill>
-                  <a:schemeClr val="accent6"/>
-                </a:solidFill>
-                <a:effectLst/>
-                <a:latin typeface="Arial" panose="020B0604020202020204" pitchFamily="34" charset="0"/>
-              </a:rPr>
-              <a:t>ASSIGNED TO</a:t>
-            </a:r>
-            <a:r>
-              <a:rPr kumimoji="0" lang="en-US" altLang="en-US" sz="1800" b="0" i="0" u="none" strike="noStrike" cap="none" normalizeH="0" baseline="0" dirty="0">
-                <a:ln>
-                  <a:noFill/>
-                </a:ln>
-                <a:solidFill>
-                  <a:schemeClr val="accent6"/>
-                </a:solidFill>
-                <a:effectLst/>
-                <a:latin typeface="Arial" panose="020B0604020202020204" pitchFamily="34" charset="0"/>
-              </a:rPr>
-              <a:t> :- DEVELOPER TEAM LEAD</a:t>
-            </a:r>
-          </a:p>
-          <a:p>
-            <a:pPr marL="0" marR="0" lvl="0" indent="0" algn="l" defTabSz="914400" rtl="0" eaLnBrk="0" fontAlgn="base" latinLnBrk="0" hangingPunct="0">
-              <a:lnSpc>
-                <a:spcPct val="100000"/>
-              </a:lnSpc>
-              <a:spcBef>
-                <a:spcPct val="0"/>
-              </a:spcBef>
-              <a:spcAft>
-                <a:spcPct val="0"/>
-              </a:spcAft>
-              <a:buClrTx/>
-              <a:buSzTx/>
-              <a:buFontTx/>
-              <a:buChar char="•"/>
-              <a:tabLst/>
-            </a:pPr>
-            <a:r>
-              <a:rPr kumimoji="0" lang="en-US" altLang="en-US" sz="1800" b="1" i="0" u="none" strike="noStrike" cap="none" normalizeH="0" baseline="0" dirty="0">
-                <a:ln>
-                  <a:noFill/>
-                </a:ln>
-                <a:solidFill>
-                  <a:schemeClr val="accent6"/>
-                </a:solidFill>
-                <a:effectLst/>
-                <a:latin typeface="Arial" panose="020B0604020202020204" pitchFamily="34" charset="0"/>
-              </a:rPr>
-              <a:t>DATE OF ASSIGNMENT</a:t>
-            </a:r>
-            <a:r>
-              <a:rPr kumimoji="0" lang="en-US" altLang="en-US" sz="1800" b="0" i="0" u="none" strike="noStrike" cap="none" normalizeH="0" baseline="0" dirty="0">
-                <a:ln>
-                  <a:noFill/>
-                </a:ln>
-                <a:solidFill>
-                  <a:schemeClr val="accent6"/>
-                </a:solidFill>
-                <a:effectLst/>
-                <a:latin typeface="Arial" panose="020B0604020202020204" pitchFamily="34" charset="0"/>
-              </a:rPr>
-              <a:t> :- [To be filled]</a:t>
-            </a:r>
-          </a:p>
-          <a:p>
-            <a:pPr marL="0" marR="0" lvl="0" indent="0" algn="l" defTabSz="914400" rtl="0" eaLnBrk="0" fontAlgn="base" latinLnBrk="0" hangingPunct="0">
-              <a:lnSpc>
-                <a:spcPct val="100000"/>
-              </a:lnSpc>
-              <a:spcBef>
-                <a:spcPct val="0"/>
-              </a:spcBef>
-              <a:spcAft>
-                <a:spcPct val="0"/>
-              </a:spcAft>
-              <a:buClrTx/>
-              <a:buSzTx/>
-              <a:buFontTx/>
-              <a:buChar char="•"/>
-              <a:tabLst/>
-            </a:pPr>
-            <a:r>
-              <a:rPr kumimoji="0" lang="en-US" altLang="en-US" sz="1800" b="1" i="0" u="none" strike="noStrike" cap="none" normalizeH="0" baseline="0" dirty="0">
-                <a:ln>
-                  <a:noFill/>
-                </a:ln>
-                <a:solidFill>
-                  <a:schemeClr val="accent6"/>
-                </a:solidFill>
-                <a:effectLst/>
-                <a:latin typeface="Arial" panose="020B0604020202020204" pitchFamily="34" charset="0"/>
-              </a:rPr>
-              <a:t>STATUS</a:t>
-            </a:r>
-            <a:r>
-              <a:rPr kumimoji="0" lang="en-US" altLang="en-US" sz="1800" b="0" i="0" u="none" strike="noStrike" cap="none" normalizeH="0" baseline="0" dirty="0">
-                <a:ln>
-                  <a:noFill/>
-                </a:ln>
-                <a:solidFill>
-                  <a:schemeClr val="accent6"/>
-                </a:solidFill>
-                <a:effectLst/>
-                <a:latin typeface="Arial" panose="020B0604020202020204" pitchFamily="34" charset="0"/>
-              </a:rPr>
-              <a:t> :- PENDING</a:t>
-            </a:r>
-          </a:p>
-          <a:p>
-            <a:pPr lvl="0" defTabSz="914400" eaLnBrk="0" fontAlgn="base" hangingPunct="0">
-              <a:spcBef>
-                <a:spcPct val="0"/>
-              </a:spcBef>
-              <a:spcAft>
-                <a:spcPct val="0"/>
-              </a:spcAft>
-              <a:buFontTx/>
-              <a:buChar char="•"/>
-            </a:pPr>
-            <a:r>
-              <a:rPr kumimoji="0" lang="en-US" altLang="en-US" sz="1800" b="1" i="0" u="none" strike="noStrike" cap="none" normalizeH="0" baseline="0" dirty="0">
-                <a:ln>
-                  <a:noFill/>
-                </a:ln>
-                <a:solidFill>
-                  <a:schemeClr val="accent6"/>
-                </a:solidFill>
-                <a:effectLst/>
-                <a:latin typeface="Arial" panose="020B0604020202020204" pitchFamily="34" charset="0"/>
-              </a:rPr>
-              <a:t>SNAP SHOTS</a:t>
-            </a:r>
-            <a:r>
-              <a:rPr kumimoji="0" lang="en-US" altLang="en-US" sz="1800" b="0" i="0" u="none" strike="noStrike" cap="none" normalizeH="0" baseline="0" dirty="0">
-                <a:ln>
-                  <a:noFill/>
-                </a:ln>
-                <a:solidFill>
-                  <a:schemeClr val="accent6"/>
-                </a:solidFill>
-                <a:effectLst/>
-                <a:latin typeface="Arial" panose="020B0604020202020204" pitchFamily="34" charset="0"/>
-              </a:rPr>
-              <a:t> :- </a:t>
-            </a:r>
-            <a:r>
-              <a:rPr lang="en-US" dirty="0">
-                <a:solidFill>
-                  <a:schemeClr val="accent6"/>
-                </a:solidFill>
-              </a:rPr>
-              <a:t>[Attach screenshot of failed category navigation]</a:t>
-            </a:r>
-            <a:endParaRPr kumimoji="0" lang="en-US" altLang="en-US" sz="1800" b="0" i="0" u="none" strike="noStrike" cap="none" normalizeH="0" baseline="0" dirty="0">
-              <a:ln>
-                <a:noFill/>
-              </a:ln>
-              <a:solidFill>
-                <a:schemeClr val="accent6"/>
-              </a:solidFill>
-              <a:effectLst/>
-              <a:latin typeface="Arial" panose="020B0604020202020204" pitchFamily="34" charset="0"/>
-            </a:endParaRPr>
-          </a:p>
-          <a:p>
-            <a:pPr marL="0" marR="0" lvl="0" indent="0" algn="l" defTabSz="914400" rtl="0" eaLnBrk="0" fontAlgn="base" latinLnBrk="0" hangingPunct="0">
-              <a:lnSpc>
-                <a:spcPct val="100000"/>
-              </a:lnSpc>
-              <a:spcBef>
-                <a:spcPct val="0"/>
-              </a:spcBef>
-              <a:spcAft>
-                <a:spcPct val="0"/>
-              </a:spcAft>
-              <a:buClrTx/>
-              <a:buSzTx/>
-              <a:buFontTx/>
-              <a:buChar char="•"/>
-              <a:tabLst/>
-            </a:pPr>
-            <a:r>
-              <a:rPr kumimoji="0" lang="en-US" altLang="en-US" sz="1800" b="1" i="0" u="none" strike="noStrike" cap="none" normalizeH="0" baseline="0" dirty="0">
-                <a:ln>
-                  <a:noFill/>
-                </a:ln>
-                <a:solidFill>
-                  <a:schemeClr val="accent6"/>
-                </a:solidFill>
-                <a:effectLst/>
-                <a:latin typeface="Arial" panose="020B0604020202020204" pitchFamily="34" charset="0"/>
-              </a:rPr>
-              <a:t>FIXED BY</a:t>
-            </a:r>
-            <a:r>
-              <a:rPr kumimoji="0" lang="en-US" altLang="en-US" sz="1800" b="0" i="0" u="none" strike="noStrike" cap="none" normalizeH="0" baseline="0" dirty="0">
-                <a:ln>
-                  <a:noFill/>
-                </a:ln>
-                <a:solidFill>
-                  <a:schemeClr val="accent6"/>
-                </a:solidFill>
-                <a:effectLst/>
-                <a:latin typeface="Arial" panose="020B0604020202020204" pitchFamily="34" charset="0"/>
-              </a:rPr>
-              <a:t> :- DEVELOPER</a:t>
-            </a:r>
-          </a:p>
-          <a:p>
-            <a:pPr marL="0" marR="0" lvl="0" indent="0" algn="l" defTabSz="914400" rtl="0" eaLnBrk="0" fontAlgn="base" latinLnBrk="0" hangingPunct="0">
-              <a:lnSpc>
-                <a:spcPct val="100000"/>
-              </a:lnSpc>
-              <a:spcBef>
-                <a:spcPct val="0"/>
-              </a:spcBef>
-              <a:spcAft>
-                <a:spcPct val="0"/>
-              </a:spcAft>
-              <a:buClrTx/>
-              <a:buSzTx/>
-              <a:buFontTx/>
-              <a:buChar char="•"/>
-              <a:tabLst/>
-            </a:pPr>
-            <a:r>
-              <a:rPr kumimoji="0" lang="en-US" altLang="en-US" sz="1800" b="1" i="0" u="none" strike="noStrike" cap="none" normalizeH="0" baseline="0" dirty="0">
-                <a:ln>
-                  <a:noFill/>
-                </a:ln>
-                <a:solidFill>
-                  <a:schemeClr val="accent6"/>
-                </a:solidFill>
-                <a:effectLst/>
-                <a:latin typeface="Arial" panose="020B0604020202020204" pitchFamily="34" charset="0"/>
-              </a:rPr>
-              <a:t>DATE OF FIXING</a:t>
-            </a:r>
-            <a:r>
-              <a:rPr kumimoji="0" lang="en-US" altLang="en-US" sz="1800" b="0" i="0" u="none" strike="noStrike" cap="none" normalizeH="0" baseline="0" dirty="0">
-                <a:ln>
-                  <a:noFill/>
-                </a:ln>
-                <a:solidFill>
-                  <a:schemeClr val="accent6"/>
-                </a:solidFill>
-                <a:effectLst/>
-                <a:latin typeface="Arial" panose="020B0604020202020204" pitchFamily="34" charset="0"/>
-              </a:rPr>
-              <a:t> :- [To be filled]</a:t>
-            </a:r>
-          </a:p>
-        </p:txBody>
-      </p:sp>
-      <p:pic>
-        <p:nvPicPr>
-          <p:cNvPr id="2054" name="Picture 6" descr="3 Types of Quality Defects for Defect Classification">
-            <a:extLst>
-              <a:ext uri="{FF2B5EF4-FFF2-40B4-BE49-F238E27FC236}">
-                <a16:creationId xmlns:a16="http://schemas.microsoft.com/office/drawing/2014/main" id="{E3C378FF-9A32-F01D-9ADA-3140F63D1C96}"/>
-              </a:ext>
-            </a:extLst>
-          </p:cNvPr>
-          <p:cNvPicPr>
-            <a:picLocks noChangeAspect="1" noChangeArrowheads="1"/>
-          </p:cNvPicPr>
-          <p:nvPr/>
-        </p:nvPicPr>
-        <p:blipFill>
-          <a:blip r:embed="rId4">
-            <a:extLst>
-              <a:ext uri="{28A0092B-C50C-407E-A947-70E740481C1C}">
-                <a14:useLocalDpi xmlns:a14="http://schemas.microsoft.com/office/drawing/2010/main" val="0"/>
-              </a:ext>
-            </a:extLst>
-          </a:blip>
-          <a:srcRect/>
-          <a:stretch>
-            <a:fillRect/>
-          </a:stretch>
-        </p:blipFill>
-        <p:spPr bwMode="auto">
-          <a:xfrm>
-            <a:off x="7403690" y="1887794"/>
-            <a:ext cx="4247536" cy="3493830"/>
-          </a:xfrm>
-          <a:prstGeom prst="rect">
-            <a:avLst/>
-          </a:prstGeom>
-          <a:noFill/>
-          <a:extLst>
-            <a:ext uri="{909E8E84-426E-40DD-AFC4-6F175D3DCCD1}">
-              <a14:hiddenFill xmlns:a14="http://schemas.microsoft.com/office/drawing/2010/main">
-                <a:solidFill>
-                  <a:srgbClr val="FFFFFF"/>
-                </a:solidFill>
-              </a14:hiddenFill>
-            </a:ext>
-          </a:extLst>
-        </p:spPr>
-      </p:pic>
-    </p:spTree>
-    <p:extLst>
-      <p:ext uri="{BB962C8B-B14F-4D97-AF65-F5344CB8AC3E}">
-        <p14:creationId xmlns:p14="http://schemas.microsoft.com/office/powerpoint/2010/main" val="3121865446"/>
       </p:ext>
     </p:extLst>
   </p:cSld>
@@ -22891,12 +23104,23 @@
 </file>
 
 <file path=customXml/item1.xml><?xml version="1.0" encoding="utf-8"?>
-<?mso-contentType ?>
-<FormTemplates xmlns="http://schemas.microsoft.com/sharepoint/v3/contenttype/forms">
-  <Display>DocumentLibraryForm</Display>
-  <Edit>DocumentLibraryForm</Edit>
-  <New>DocumentLibraryForm</New>
-</FormTemplates>
+<p:properties xmlns:p="http://schemas.microsoft.com/office/2006/metadata/properties" xmlns:xsi="http://www.w3.org/2001/XMLSchema-instance" xmlns:pc="http://schemas.microsoft.com/office/infopath/2007/PartnerControls">
+  <documentManagement>
+    <_ip_UnifiedCompliancePolicyUIAction xmlns="http://schemas.microsoft.com/sharepoint/v3" xsi:nil="true"/>
+    <Image xmlns="71af3243-3dd4-4a8d-8c0d-dd76da1f02a5">
+      <Url xsi:nil="true"/>
+      <Description xsi:nil="true"/>
+    </Image>
+    <Status xmlns="71af3243-3dd4-4a8d-8c0d-dd76da1f02a5">Not started</Status>
+    <Background xmlns="71af3243-3dd4-4a8d-8c0d-dd76da1f02a5">false</Background>
+    <_ip_UnifiedCompliancePolicyProperties xmlns="http://schemas.microsoft.com/sharepoint/v3" xsi:nil="true"/>
+    <ImageTagsTaxHTField xmlns="71af3243-3dd4-4a8d-8c0d-dd76da1f02a5">
+      <Terms xmlns="http://schemas.microsoft.com/office/infopath/2007/PartnerControls"/>
+    </ImageTagsTaxHTField>
+    <TaxCatchAll xmlns="230e9df3-be65-4c73-a93b-d1236ebd677e" xsi:nil="true"/>
+    <MediaServiceKeyPoints xmlns="71af3243-3dd4-4a8d-8c0d-dd76da1f02a5" xsi:nil="true"/>
+  </documentManagement>
+</p:properties>
 </file>
 
 <file path=customXml/item2.xml><?xml version="1.0" encoding="utf-8"?>
@@ -23212,29 +23436,22 @@
 </file>
 
 <file path=customXml/item3.xml><?xml version="1.0" encoding="utf-8"?>
-<p:properties xmlns:p="http://schemas.microsoft.com/office/2006/metadata/properties" xmlns:xsi="http://www.w3.org/2001/XMLSchema-instance" xmlns:pc="http://schemas.microsoft.com/office/infopath/2007/PartnerControls">
-  <documentManagement>
-    <_ip_UnifiedCompliancePolicyUIAction xmlns="http://schemas.microsoft.com/sharepoint/v3" xsi:nil="true"/>
-    <Image xmlns="71af3243-3dd4-4a8d-8c0d-dd76da1f02a5">
-      <Url xsi:nil="true"/>
-      <Description xsi:nil="true"/>
-    </Image>
-    <Status xmlns="71af3243-3dd4-4a8d-8c0d-dd76da1f02a5">Not started</Status>
-    <Background xmlns="71af3243-3dd4-4a8d-8c0d-dd76da1f02a5">false</Background>
-    <_ip_UnifiedCompliancePolicyProperties xmlns="http://schemas.microsoft.com/sharepoint/v3" xsi:nil="true"/>
-    <ImageTagsTaxHTField xmlns="71af3243-3dd4-4a8d-8c0d-dd76da1f02a5">
-      <Terms xmlns="http://schemas.microsoft.com/office/infopath/2007/PartnerControls"/>
-    </ImageTagsTaxHTField>
-    <TaxCatchAll xmlns="230e9df3-be65-4c73-a93b-d1236ebd677e" xsi:nil="true"/>
-    <MediaServiceKeyPoints xmlns="71af3243-3dd4-4a8d-8c0d-dd76da1f02a5" xsi:nil="true"/>
-  </documentManagement>
-</p:properties>
+<?mso-contentType ?>
+<FormTemplates xmlns="http://schemas.microsoft.com/sharepoint/v3/contenttype/forms">
+  <Display>DocumentLibraryForm</Display>
+  <Edit>DocumentLibraryForm</Edit>
+  <New>DocumentLibraryForm</New>
+</FormTemplates>
 </file>
 
 <file path=customXml/itemProps1.xml><?xml version="1.0" encoding="utf-8"?>
-<ds:datastoreItem xmlns:ds="http://schemas.openxmlformats.org/officeDocument/2006/customXml" ds:itemID="{16DBB56F-4362-4386-A1A1-3DF898896616}">
+<ds:datastoreItem xmlns:ds="http://schemas.openxmlformats.org/officeDocument/2006/customXml" ds:itemID="{BA719FA4-954C-4FA8-82CB-206659C3B826}">
   <ds:schemaRefs>
-    <ds:schemaRef ds:uri="http://schemas.microsoft.com/sharepoint/v3/contenttype/forms"/>
+    <ds:schemaRef ds:uri="http://schemas.microsoft.com/office/2006/metadata/properties"/>
+    <ds:schemaRef ds:uri="http://schemas.microsoft.com/office/infopath/2007/PartnerControls"/>
+    <ds:schemaRef ds:uri="http://schemas.microsoft.com/sharepoint/v3"/>
+    <ds:schemaRef ds:uri="71af3243-3dd4-4a8d-8c0d-dd76da1f02a5"/>
+    <ds:schemaRef ds:uri="230e9df3-be65-4c73-a93b-d1236ebd677e"/>
   </ds:schemaRefs>
 </ds:datastoreItem>
 </file>
@@ -23261,13 +23478,9 @@
 </file>
 
 <file path=customXml/itemProps3.xml><?xml version="1.0" encoding="utf-8"?>
-<ds:datastoreItem xmlns:ds="http://schemas.openxmlformats.org/officeDocument/2006/customXml" ds:itemID="{BA719FA4-954C-4FA8-82CB-206659C3B826}">
+<ds:datastoreItem xmlns:ds="http://schemas.openxmlformats.org/officeDocument/2006/customXml" ds:itemID="{16DBB56F-4362-4386-A1A1-3DF898896616}">
   <ds:schemaRefs>
-    <ds:schemaRef ds:uri="http://schemas.microsoft.com/office/2006/metadata/properties"/>
-    <ds:schemaRef ds:uri="http://schemas.microsoft.com/office/infopath/2007/PartnerControls"/>
-    <ds:schemaRef ds:uri="http://schemas.microsoft.com/sharepoint/v3"/>
-    <ds:schemaRef ds:uri="71af3243-3dd4-4a8d-8c0d-dd76da1f02a5"/>
-    <ds:schemaRef ds:uri="230e9df3-be65-4c73-a93b-d1236ebd677e"/>
+    <ds:schemaRef ds:uri="http://schemas.microsoft.com/sharepoint/v3/contenttype/forms"/>
   </ds:schemaRefs>
 </ds:datastoreItem>
 </file>

--- a/Pragati_ebay_Project.pptx
+++ b/Pragati_ebay_Project.pptx
@@ -18067,8 +18067,12 @@
               <a:rPr lang="en-US" dirty="0"/>
             </a:br>
             <a:r>
+              <a:rPr lang="en-US"/>
+              <a:t>Ebay </a:t>
+            </a:r>
+            <a:r>
               <a:rPr lang="en-US" dirty="0"/>
-              <a:t>Ebay Beauty website</a:t>
+              <a:t>website</a:t>
             </a:r>
             <a:br>
               <a:rPr lang="en-US" dirty="0"/>

--- a/Pragati_ebay_Project.pptx
+++ b/Pragati_ebay_Project.pptx
@@ -18067,12 +18067,12 @@
               <a:rPr lang="en-US" dirty="0"/>
             </a:br>
             <a:r>
-              <a:rPr lang="en-US"/>
-              <a:t>Ebay </a:t>
+              <a:rPr lang="en-US" dirty="0" err="1"/>
+              <a:t>Ebay</a:t>
             </a:r>
             <a:r>
               <a:rPr lang="en-US" dirty="0"/>
-              <a:t>website</a:t>
+              <a:t> website</a:t>
             </a:r>
             <a:br>
               <a:rPr lang="en-US" dirty="0"/>

--- a/Pragati_ebay_Project.pptx
+++ b/Pragati_ebay_Project.pptx
@@ -18067,12 +18067,8 @@
               <a:rPr lang="en-US" dirty="0"/>
             </a:br>
             <a:r>
-              <a:rPr lang="en-US" dirty="0" err="1"/>
-              <a:t>Ebay</a:t>
-            </a:r>
-            <a:r>
               <a:rPr lang="en-US" dirty="0"/>
-              <a:t> website</a:t>
+              <a:t>Ebay website</a:t>
             </a:r>
             <a:br>
               <a:rPr lang="en-US" dirty="0"/>
@@ -20348,6 +20344,10 @@
           </a:bodyPr>
           <a:lstStyle/>
           <a:p>
+            <a:pPr marL="285750" indent="-285750">
+              <a:buFont typeface="Arial" panose="020B0604020202020204" pitchFamily="34" charset="0"/>
+              <a:buChar char="•"/>
+            </a:pPr>
             <a:r>
               <a:rPr lang="en-US" sz="1800" dirty="0"/>
               <a:t>eBay is a </a:t>
@@ -20378,9 +20378,10 @@
             </a:r>
           </a:p>
           <a:p>
-            <a:endParaRPr lang="en-US" sz="1800" dirty="0"/>
-          </a:p>
-          <a:p>
+            <a:pPr marL="285750" indent="-285750">
+              <a:buFont typeface="Arial" panose="020B0604020202020204" pitchFamily="34" charset="0"/>
+              <a:buChar char="•"/>
+            </a:pPr>
             <a:r>
               <a:rPr lang="en-US" sz="1800" dirty="0"/>
               <a:t>eBay is known for its </a:t>
@@ -20399,7 +20400,17 @@
             </a:r>
             <a:r>
               <a:rPr lang="en-US" sz="1800" dirty="0"/>
-              <a:t>, giving users flexibility in how they purchase or sell items. With operations in over </a:t>
+              <a:t>, giving users flexibility in how they purchase or sell items. </a:t>
+            </a:r>
+          </a:p>
+          <a:p>
+            <a:pPr marL="285750" indent="-285750">
+              <a:buFont typeface="Arial" panose="020B0604020202020204" pitchFamily="34" charset="0"/>
+              <a:buChar char="•"/>
+            </a:pPr>
+            <a:r>
+              <a:rPr lang="en-US" sz="1800" dirty="0"/>
+              <a:t>With operations in over </a:t>
             </a:r>
             <a:r>
               <a:rPr lang="en-US" sz="1800" b="1" dirty="0"/>
@@ -20407,7 +20418,17 @@
             </a:r>
             <a:r>
               <a:rPr lang="en-US" sz="1800" dirty="0"/>
-              <a:t> and millions of active buyers and sellers, it provides secure payment methods, buyer and seller protections, and a platform for small businesses and entrepreneurs to thrive. Over the years eBay has becoming a trusted platform for rare, collectible, and everyday products while continuing to innovate in </a:t>
+              <a:t> and millions of active buyers and sellers, it provides secure payment methods, buyer and seller protections, and a platform for small businesses and entrepreneurs to thrive.</a:t>
+            </a:r>
+          </a:p>
+          <a:p>
+            <a:pPr marL="285750" indent="-285750">
+              <a:buFont typeface="Arial" panose="020B0604020202020204" pitchFamily="34" charset="0"/>
+              <a:buChar char="•"/>
+            </a:pPr>
+            <a:r>
+              <a:rPr lang="en-US" sz="1800" dirty="0"/>
+              <a:t> Over the years eBay has becoming a trusted platform for rare, collectible, and everyday products while continuing to innovate in </a:t>
             </a:r>
             <a:r>
               <a:rPr lang="en-US" sz="1800" b="1" dirty="0"/>
@@ -23108,23 +23129,12 @@
 </file>
 
 <file path=customXml/item1.xml><?xml version="1.0" encoding="utf-8"?>
-<p:properties xmlns:p="http://schemas.microsoft.com/office/2006/metadata/properties" xmlns:xsi="http://www.w3.org/2001/XMLSchema-instance" xmlns:pc="http://schemas.microsoft.com/office/infopath/2007/PartnerControls">
-  <documentManagement>
-    <_ip_UnifiedCompliancePolicyUIAction xmlns="http://schemas.microsoft.com/sharepoint/v3" xsi:nil="true"/>
-    <Image xmlns="71af3243-3dd4-4a8d-8c0d-dd76da1f02a5">
-      <Url xsi:nil="true"/>
-      <Description xsi:nil="true"/>
-    </Image>
-    <Status xmlns="71af3243-3dd4-4a8d-8c0d-dd76da1f02a5">Not started</Status>
-    <Background xmlns="71af3243-3dd4-4a8d-8c0d-dd76da1f02a5">false</Background>
-    <_ip_UnifiedCompliancePolicyProperties xmlns="http://schemas.microsoft.com/sharepoint/v3" xsi:nil="true"/>
-    <ImageTagsTaxHTField xmlns="71af3243-3dd4-4a8d-8c0d-dd76da1f02a5">
-      <Terms xmlns="http://schemas.microsoft.com/office/infopath/2007/PartnerControls"/>
-    </ImageTagsTaxHTField>
-    <TaxCatchAll xmlns="230e9df3-be65-4c73-a93b-d1236ebd677e" xsi:nil="true"/>
-    <MediaServiceKeyPoints xmlns="71af3243-3dd4-4a8d-8c0d-dd76da1f02a5" xsi:nil="true"/>
-  </documentManagement>
-</p:properties>
+<?mso-contentType ?>
+<FormTemplates xmlns="http://schemas.microsoft.com/sharepoint/v3/contenttype/forms">
+  <Display>DocumentLibraryForm</Display>
+  <Edit>DocumentLibraryForm</Edit>
+  <New>DocumentLibraryForm</New>
+</FormTemplates>
 </file>
 
 <file path=customXml/item2.xml><?xml version="1.0" encoding="utf-8"?>
@@ -23440,22 +23450,29 @@
 </file>
 
 <file path=customXml/item3.xml><?xml version="1.0" encoding="utf-8"?>
-<?mso-contentType ?>
-<FormTemplates xmlns="http://schemas.microsoft.com/sharepoint/v3/contenttype/forms">
-  <Display>DocumentLibraryForm</Display>
-  <Edit>DocumentLibraryForm</Edit>
-  <New>DocumentLibraryForm</New>
-</FormTemplates>
+<p:properties xmlns:p="http://schemas.microsoft.com/office/2006/metadata/properties" xmlns:xsi="http://www.w3.org/2001/XMLSchema-instance" xmlns:pc="http://schemas.microsoft.com/office/infopath/2007/PartnerControls">
+  <documentManagement>
+    <_ip_UnifiedCompliancePolicyUIAction xmlns="http://schemas.microsoft.com/sharepoint/v3" xsi:nil="true"/>
+    <Image xmlns="71af3243-3dd4-4a8d-8c0d-dd76da1f02a5">
+      <Url xsi:nil="true"/>
+      <Description xsi:nil="true"/>
+    </Image>
+    <Status xmlns="71af3243-3dd4-4a8d-8c0d-dd76da1f02a5">Not started</Status>
+    <Background xmlns="71af3243-3dd4-4a8d-8c0d-dd76da1f02a5">false</Background>
+    <_ip_UnifiedCompliancePolicyProperties xmlns="http://schemas.microsoft.com/sharepoint/v3" xsi:nil="true"/>
+    <ImageTagsTaxHTField xmlns="71af3243-3dd4-4a8d-8c0d-dd76da1f02a5">
+      <Terms xmlns="http://schemas.microsoft.com/office/infopath/2007/PartnerControls"/>
+    </ImageTagsTaxHTField>
+    <TaxCatchAll xmlns="230e9df3-be65-4c73-a93b-d1236ebd677e" xsi:nil="true"/>
+    <MediaServiceKeyPoints xmlns="71af3243-3dd4-4a8d-8c0d-dd76da1f02a5" xsi:nil="true"/>
+  </documentManagement>
+</p:properties>
 </file>
 
 <file path=customXml/itemProps1.xml><?xml version="1.0" encoding="utf-8"?>
-<ds:datastoreItem xmlns:ds="http://schemas.openxmlformats.org/officeDocument/2006/customXml" ds:itemID="{BA719FA4-954C-4FA8-82CB-206659C3B826}">
+<ds:datastoreItem xmlns:ds="http://schemas.openxmlformats.org/officeDocument/2006/customXml" ds:itemID="{16DBB56F-4362-4386-A1A1-3DF898896616}">
   <ds:schemaRefs>
-    <ds:schemaRef ds:uri="http://schemas.microsoft.com/office/2006/metadata/properties"/>
-    <ds:schemaRef ds:uri="http://schemas.microsoft.com/office/infopath/2007/PartnerControls"/>
-    <ds:schemaRef ds:uri="http://schemas.microsoft.com/sharepoint/v3"/>
-    <ds:schemaRef ds:uri="71af3243-3dd4-4a8d-8c0d-dd76da1f02a5"/>
-    <ds:schemaRef ds:uri="230e9df3-be65-4c73-a93b-d1236ebd677e"/>
+    <ds:schemaRef ds:uri="http://schemas.microsoft.com/sharepoint/v3/contenttype/forms"/>
   </ds:schemaRefs>
 </ds:datastoreItem>
 </file>
@@ -23482,9 +23499,13 @@
 </file>
 
 <file path=customXml/itemProps3.xml><?xml version="1.0" encoding="utf-8"?>
-<ds:datastoreItem xmlns:ds="http://schemas.openxmlformats.org/officeDocument/2006/customXml" ds:itemID="{16DBB56F-4362-4386-A1A1-3DF898896616}">
+<ds:datastoreItem xmlns:ds="http://schemas.openxmlformats.org/officeDocument/2006/customXml" ds:itemID="{BA719FA4-954C-4FA8-82CB-206659C3B826}">
   <ds:schemaRefs>
-    <ds:schemaRef ds:uri="http://schemas.microsoft.com/sharepoint/v3/contenttype/forms"/>
+    <ds:schemaRef ds:uri="http://schemas.microsoft.com/office/2006/metadata/properties"/>
+    <ds:schemaRef ds:uri="http://schemas.microsoft.com/office/infopath/2007/PartnerControls"/>
+    <ds:schemaRef ds:uri="http://schemas.microsoft.com/sharepoint/v3"/>
+    <ds:schemaRef ds:uri="71af3243-3dd4-4a8d-8c0d-dd76da1f02a5"/>
+    <ds:schemaRef ds:uri="230e9df3-be65-4c73-a93b-d1236ebd677e"/>
   </ds:schemaRefs>
 </ds:datastoreItem>
 </file>
